--- a/doc/JAVA0206.pptx
+++ b/doc/JAVA0206.pptx
@@ -13003,6 +13003,10 @@
           <a:bodyPr/>
           <a:lstStyle/>
           <a:p>
+            <a:r>
+              <a:rPr lang="en-US" altLang="zh-TW" dirty="0"/>
+              <a:t>JAVA</a:t>
+            </a:r>
             <a:endParaRPr lang="zh-TW" altLang="en-US" dirty="0"/>
           </a:p>
         </p:txBody>
@@ -13083,7 +13087,10 @@
           <a:bodyPr/>
           <a:lstStyle/>
           <a:p>
-            <a:endParaRPr lang="zh-TW" altLang="en-US"/>
+            <a:r>
+              <a:rPr lang="zh-TW" altLang="en-US" dirty="0"/>
+              <a:t>物件導向程式</a:t>
+            </a:r>
           </a:p>
         </p:txBody>
       </p:sp>

--- a/doc/JAVA0206.pptx
+++ b/doc/JAVA0206.pptx
@@ -8,6 +8,8 @@
     <p:sldId id="256" r:id="rId2"/>
     <p:sldId id="257" r:id="rId3"/>
     <p:sldId id="258" r:id="rId4"/>
+    <p:sldId id="259" r:id="rId5"/>
+    <p:sldId id="260" r:id="rId6"/>
   </p:sldIdLst>
   <p:sldSz cx="12192000" cy="6858000"/>
   <p:notesSz cx="6858000" cy="9144000"/>
@@ -106,6 +108,11 @@
       </a:defRPr>
     </a:lvl9pPr>
   </p:defaultTextStyle>
+  <p:extLst>
+    <p:ext uri="{EFAFB233-063F-42B5-8137-9DF3F51BA10A}">
+      <p15:sldGuideLst xmlns:p15="http://schemas.microsoft.com/office/powerpoint/2012/main"/>
+    </p:ext>
+  </p:extLst>
 </p:presentation>
 </file>
 
@@ -13032,7 +13039,7 @@
           <a:bodyPr/>
           <a:lstStyle/>
           <a:p>
-            <a:endParaRPr lang="zh-TW" altLang="en-US"/>
+            <a:endParaRPr lang="zh-TW" altLang="en-US" dirty="0"/>
           </a:p>
         </p:txBody>
       </p:sp>
@@ -13052,6 +13059,30 @@
 <file path=ppt/slides/slide2.xml><?xml version="1.0" encoding="utf-8"?>
 <p:sld xmlns:a="http://schemas.openxmlformats.org/drawingml/2006/main" xmlns:r="http://schemas.openxmlformats.org/officeDocument/2006/relationships" xmlns:p="http://schemas.openxmlformats.org/presentationml/2006/main">
   <p:cSld>
+    <p:bg>
+      <p:bgPr>
+        <a:blipFill>
+          <a:blip r:embed="rId2">
+            <a:duotone>
+              <a:schemeClr val="bg2">
+                <a:shade val="88000"/>
+                <a:hueMod val="106000"/>
+                <a:satMod val="140000"/>
+                <a:lumMod val="54000"/>
+              </a:schemeClr>
+              <a:schemeClr val="bg2">
+                <a:tint val="98000"/>
+                <a:hueMod val="90000"/>
+                <a:satMod val="150000"/>
+                <a:lumMod val="160000"/>
+              </a:schemeClr>
+            </a:duotone>
+          </a:blip>
+          <a:stretch/>
+        </a:blipFill>
+        <a:effectLst/>
+      </p:bgPr>
+    </p:bg>
     <p:spTree>
       <p:nvGrpSpPr>
         <p:cNvPr id="1" name=""/>
@@ -13082,14 +13113,30 @@
             <p:ph type="title"/>
           </p:nvPr>
         </p:nvSpPr>
-        <p:spPr/>
+        <p:spPr>
+          <a:xfrm>
+            <a:off x="1141413" y="618518"/>
+            <a:ext cx="9905998" cy="1478570"/>
+          </a:xfrm>
+        </p:spPr>
         <p:txBody>
-          <a:bodyPr/>
+          <a:bodyPr>
+            <a:normAutofit/>
+          </a:bodyPr>
           <a:lstStyle/>
           <a:p>
+            <a:pPr algn="ctr"/>
             <a:r>
               <a:rPr lang="zh-TW" altLang="en-US" dirty="0"/>
               <a:t>物件導向程式</a:t>
+            </a:r>
+            <a:r>
+              <a:rPr lang="en-US" altLang="zh-TW" dirty="0"/>
+              <a:t>-</a:t>
+            </a:r>
+            <a:r>
+              <a:rPr lang="zh-TW" altLang="en-US" dirty="0"/>
+              <a:t>類別與物件</a:t>
             </a:r>
           </a:p>
         </p:txBody>
@@ -13110,15 +13157,90 @@
             <p:ph idx="1"/>
           </p:nvPr>
         </p:nvSpPr>
-        <p:spPr/>
+        <p:spPr>
+          <a:xfrm>
+            <a:off x="1141412" y="2249487"/>
+            <a:ext cx="4844521" cy="3541714"/>
+          </a:xfrm>
+        </p:spPr>
         <p:txBody>
-          <a:bodyPr/>
+          <a:bodyPr anchor="ctr">
+            <a:normAutofit/>
+          </a:bodyPr>
           <a:lstStyle/>
           <a:p>
-            <a:endParaRPr lang="zh-TW" altLang="en-US"/>
+            <a:r>
+              <a:rPr lang="zh-TW" altLang="en-US" dirty="0"/>
+              <a:t>定義類別</a:t>
+            </a:r>
+            <a:endParaRPr lang="en-US" altLang="zh-TW" dirty="0"/>
+          </a:p>
+          <a:p>
+            <a:r>
+              <a:rPr lang="zh-TW" altLang="en-US" dirty="0"/>
+              <a:t>修飾詞 </a:t>
+            </a:r>
+            <a:r>
+              <a:rPr lang="en-US" altLang="zh-TW" dirty="0"/>
+              <a:t>[public][final][static][abstract]</a:t>
+            </a:r>
+          </a:p>
+          <a:p>
+            <a:endParaRPr lang="zh-TW" altLang="en-US" dirty="0"/>
           </a:p>
         </p:txBody>
       </p:sp>
+      <p:pic>
+        <p:nvPicPr>
+          <p:cNvPr id="7" name="圖片 6" descr="一張含有 文字, 字型, 螢幕擷取畫面, 設計 的圖片&#10;&#10;AI 產生的內容可能不正確。">
+            <a:extLst>
+              <a:ext uri="{FF2B5EF4-FFF2-40B4-BE49-F238E27FC236}">
+                <a16:creationId xmlns:a16="http://schemas.microsoft.com/office/drawing/2014/main" id="{3E945839-B5B9-CBD8-F0AD-B794E2C21120}"/>
+              </a:ext>
+            </a:extLst>
+          </p:cNvPr>
+          <p:cNvPicPr>
+            <a:picLocks noChangeAspect="1"/>
+          </p:cNvPicPr>
+          <p:nvPr/>
+        </p:nvPicPr>
+        <p:blipFill>
+          <a:blip r:embed="rId3"/>
+          <a:srcRect r="11075" b="-2"/>
+          <a:stretch>
+            <a:fillRect/>
+          </a:stretch>
+        </p:blipFill>
+        <p:spPr>
+          <a:xfrm>
+            <a:off x="6392335" y="2497720"/>
+            <a:ext cx="4655075" cy="3047892"/>
+          </a:xfrm>
+          <a:prstGeom prst="round2DiagRect">
+            <a:avLst>
+              <a:gd name="adj1" fmla="val 4860"/>
+              <a:gd name="adj2" fmla="val 0"/>
+            </a:avLst>
+          </a:prstGeom>
+          <a:ln w="19050" cap="sq">
+            <a:solidFill>
+              <a:schemeClr val="tx2">
+                <a:lumMod val="60000"/>
+                <a:lumOff val="40000"/>
+                <a:alpha val="60000"/>
+              </a:schemeClr>
+            </a:solidFill>
+            <a:miter lim="800000"/>
+          </a:ln>
+          <a:effectLst>
+            <a:outerShdw blurRad="88900" dist="38100" dir="5400000" algn="t" rotWithShape="0">
+              <a:prstClr val="black">
+                <a:alpha val="40000"/>
+              </a:prstClr>
+            </a:outerShdw>
+          </a:effectLst>
+        </p:spPr>
+      </p:pic>
     </p:spTree>
     <p:extLst>
       <p:ext uri="{BB962C8B-B14F-4D97-AF65-F5344CB8AC3E}">
@@ -13135,6 +13257,30 @@
 <file path=ppt/slides/slide3.xml><?xml version="1.0" encoding="utf-8"?>
 <p:sld xmlns:a="http://schemas.openxmlformats.org/drawingml/2006/main" xmlns:r="http://schemas.openxmlformats.org/officeDocument/2006/relationships" xmlns:p="http://schemas.openxmlformats.org/presentationml/2006/main">
   <p:cSld>
+    <p:bg>
+      <p:bgPr>
+        <a:blipFill>
+          <a:blip r:embed="rId2">
+            <a:duotone>
+              <a:schemeClr val="bg2">
+                <a:shade val="88000"/>
+                <a:hueMod val="106000"/>
+                <a:satMod val="140000"/>
+                <a:lumMod val="54000"/>
+              </a:schemeClr>
+              <a:schemeClr val="bg2">
+                <a:tint val="98000"/>
+                <a:hueMod val="90000"/>
+                <a:satMod val="150000"/>
+                <a:lumMod val="160000"/>
+              </a:schemeClr>
+            </a:duotone>
+          </a:blip>
+          <a:stretch/>
+        </a:blipFill>
+        <a:effectLst/>
+      </p:bgPr>
+    </p:bg>
     <p:spTree>
       <p:nvGrpSpPr>
         <p:cNvPr id="1" name=""/>
@@ -13165,12 +13311,22 @@
             <p:ph type="title"/>
           </p:nvPr>
         </p:nvSpPr>
-        <p:spPr/>
+        <p:spPr>
+          <a:xfrm>
+            <a:off x="1141413" y="618517"/>
+            <a:ext cx="2877336" cy="5507328"/>
+          </a:xfrm>
+        </p:spPr>
         <p:txBody>
-          <a:bodyPr/>
+          <a:bodyPr>
+            <a:normAutofit/>
+          </a:bodyPr>
           <a:lstStyle/>
           <a:p>
-            <a:endParaRPr lang="zh-TW" altLang="en-US"/>
+            <a:r>
+              <a:rPr lang="zh-TW" altLang="en-US" dirty="0"/>
+              <a:t>變數</a:t>
+            </a:r>
           </a:p>
         </p:txBody>
       </p:sp>
@@ -13190,19 +13346,3200 @@
             <p:ph idx="1"/>
           </p:nvPr>
         </p:nvSpPr>
-        <p:spPr/>
+        <p:spPr>
+          <a:xfrm>
+            <a:off x="4540743" y="638650"/>
+            <a:ext cx="7034485" cy="3782778"/>
+          </a:xfrm>
+        </p:spPr>
         <p:txBody>
-          <a:bodyPr/>
+          <a:bodyPr>
+            <a:normAutofit/>
+          </a:bodyPr>
           <a:lstStyle/>
           <a:p>
-            <a:endParaRPr lang="zh-TW" altLang="en-US"/>
+            <a:r>
+              <a:rPr lang="zh-TW" altLang="en-US" dirty="0"/>
+              <a:t>修飾詞</a:t>
+            </a:r>
+            <a:endParaRPr lang="en-US" altLang="zh-TW" dirty="0"/>
+          </a:p>
+          <a:p>
+            <a:pPr lvl="1"/>
+            <a:endParaRPr lang="zh-TW" altLang="en-US" dirty="0"/>
           </a:p>
         </p:txBody>
       </p:sp>
+      <p:pic>
+        <p:nvPicPr>
+          <p:cNvPr id="11" name="圖片 10" descr="一張含有 文字, 螢幕擷取畫面, Rectangle, 圖表 的圖片&#10;&#10;AI 產生的內容可能不正確。">
+            <a:extLst>
+              <a:ext uri="{FF2B5EF4-FFF2-40B4-BE49-F238E27FC236}">
+                <a16:creationId xmlns:a16="http://schemas.microsoft.com/office/drawing/2014/main" id="{F54CF0A7-A1F6-CDCD-C792-77B916977B78}"/>
+              </a:ext>
+            </a:extLst>
+          </p:cNvPr>
+          <p:cNvPicPr>
+            <a:picLocks noChangeAspect="1"/>
+          </p:cNvPicPr>
+          <p:nvPr/>
+        </p:nvPicPr>
+        <p:blipFill>
+          <a:blip r:embed="rId3"/>
+          <a:stretch>
+            <a:fillRect/>
+          </a:stretch>
+        </p:blipFill>
+        <p:spPr>
+          <a:xfrm>
+            <a:off x="6096000" y="1154353"/>
+            <a:ext cx="5886450" cy="3267075"/>
+          </a:xfrm>
+          <a:prstGeom prst="rect">
+            <a:avLst/>
+          </a:prstGeom>
+        </p:spPr>
+      </p:pic>
+      <p:pic>
+        <p:nvPicPr>
+          <p:cNvPr id="13" name="圖片 12" descr="一張含有 文字, 螢幕擷取畫面, 字型, 行 的圖片&#10;&#10;AI 產生的內容可能不正確。">
+            <a:extLst>
+              <a:ext uri="{FF2B5EF4-FFF2-40B4-BE49-F238E27FC236}">
+                <a16:creationId xmlns:a16="http://schemas.microsoft.com/office/drawing/2014/main" id="{A07231F2-0A7F-21B3-622C-FAB2DCE9327D}"/>
+              </a:ext>
+            </a:extLst>
+          </p:cNvPr>
+          <p:cNvPicPr>
+            <a:picLocks noChangeAspect="1"/>
+          </p:cNvPicPr>
+          <p:nvPr/>
+        </p:nvPicPr>
+        <p:blipFill>
+          <a:blip r:embed="rId4"/>
+          <a:stretch>
+            <a:fillRect/>
+          </a:stretch>
+        </p:blipFill>
+        <p:spPr>
+          <a:xfrm>
+            <a:off x="4084435" y="5077691"/>
+            <a:ext cx="7174008" cy="1261686"/>
+          </a:xfrm>
+          <a:prstGeom prst="rect">
+            <a:avLst/>
+          </a:prstGeom>
+        </p:spPr>
+      </p:pic>
     </p:spTree>
     <p:extLst>
       <p:ext uri="{BB962C8B-B14F-4D97-AF65-F5344CB8AC3E}">
         <p14:creationId xmlns:p14="http://schemas.microsoft.com/office/powerpoint/2010/main" val="1581427368"/>
+      </p:ext>
+    </p:extLst>
+  </p:cSld>
+  <p:clrMapOvr>
+    <a:masterClrMapping/>
+  </p:clrMapOvr>
+</p:sld>
+</file>
+
+<file path=ppt/slides/slide4.xml><?xml version="1.0" encoding="utf-8"?>
+<p:sld xmlns:a="http://schemas.openxmlformats.org/drawingml/2006/main" xmlns:r="http://schemas.openxmlformats.org/officeDocument/2006/relationships" xmlns:p="http://schemas.openxmlformats.org/presentationml/2006/main">
+  <p:cSld>
+    <p:spTree>
+      <p:nvGrpSpPr>
+        <p:cNvPr id="1" name="">
+          <a:extLst>
+            <a:ext uri="{FF2B5EF4-FFF2-40B4-BE49-F238E27FC236}">
+              <a16:creationId xmlns:a16="http://schemas.microsoft.com/office/drawing/2014/main" id="{C0E4D955-BED4-AF08-D80D-5EF447532DD1}"/>
+            </a:ext>
+          </a:extLst>
+        </p:cNvPr>
+        <p:cNvGrpSpPr/>
+        <p:nvPr/>
+      </p:nvGrpSpPr>
+      <p:grpSpPr>
+        <a:xfrm>
+          <a:off x="0" y="0"/>
+          <a:ext cx="0" cy="0"/>
+          <a:chOff x="0" y="0"/>
+          <a:chExt cx="0" cy="0"/>
+        </a:xfrm>
+      </p:grpSpPr>
+      <p:sp>
+        <p:nvSpPr>
+          <p:cNvPr id="2" name="標題 1">
+            <a:extLst>
+              <a:ext uri="{FF2B5EF4-FFF2-40B4-BE49-F238E27FC236}">
+                <a16:creationId xmlns:a16="http://schemas.microsoft.com/office/drawing/2014/main" id="{3165C354-F4E5-B408-D32C-47207EC5D65D}"/>
+              </a:ext>
+            </a:extLst>
+          </p:cNvPr>
+          <p:cNvSpPr>
+            <a:spLocks noGrp="1"/>
+          </p:cNvSpPr>
+          <p:nvPr>
+            <p:ph type="title"/>
+          </p:nvPr>
+        </p:nvSpPr>
+        <p:spPr>
+          <a:xfrm>
+            <a:off x="1141413" y="618517"/>
+            <a:ext cx="2877336" cy="5507328"/>
+          </a:xfrm>
+        </p:spPr>
+        <p:txBody>
+          <a:bodyPr>
+            <a:normAutofit/>
+          </a:bodyPr>
+          <a:lstStyle/>
+          <a:p>
+            <a:r>
+              <a:rPr lang="zh-TW" altLang="en-US" dirty="0"/>
+              <a:t>方法</a:t>
+            </a:r>
+          </a:p>
+        </p:txBody>
+      </p:sp>
+      <p:sp>
+        <p:nvSpPr>
+          <p:cNvPr id="3" name="內容版面配置區 2">
+            <a:extLst>
+              <a:ext uri="{FF2B5EF4-FFF2-40B4-BE49-F238E27FC236}">
+                <a16:creationId xmlns:a16="http://schemas.microsoft.com/office/drawing/2014/main" id="{557D8FCD-7EE7-2AE8-0D29-DBCF37C145FE}"/>
+              </a:ext>
+            </a:extLst>
+          </p:cNvPr>
+          <p:cNvSpPr>
+            <a:spLocks noGrp="1"/>
+          </p:cNvSpPr>
+          <p:nvPr>
+            <p:ph idx="1"/>
+          </p:nvPr>
+        </p:nvSpPr>
+        <p:spPr>
+          <a:xfrm>
+            <a:off x="4540743" y="638650"/>
+            <a:ext cx="7034485" cy="3782778"/>
+          </a:xfrm>
+        </p:spPr>
+        <p:txBody>
+          <a:bodyPr>
+            <a:normAutofit/>
+          </a:bodyPr>
+          <a:lstStyle/>
+          <a:p>
+            <a:r>
+              <a:rPr lang="zh-TW" altLang="en-US" dirty="0"/>
+              <a:t>修飾詞</a:t>
+            </a:r>
+            <a:endParaRPr lang="en-US" altLang="zh-TW" dirty="0"/>
+          </a:p>
+          <a:p>
+            <a:pPr lvl="1"/>
+            <a:endParaRPr lang="zh-TW" altLang="en-US" dirty="0"/>
+          </a:p>
+        </p:txBody>
+      </p:sp>
+      <p:pic>
+        <p:nvPicPr>
+          <p:cNvPr id="7" name="圖片 6" descr="一張含有 文字, 螢幕擷取畫面, 字型 的圖片&#10;&#10;AI 產生的內容可能不正確。">
+            <a:extLst>
+              <a:ext uri="{FF2B5EF4-FFF2-40B4-BE49-F238E27FC236}">
+                <a16:creationId xmlns:a16="http://schemas.microsoft.com/office/drawing/2014/main" id="{AD44CFC0-8E33-F352-AC0E-82D1B316AEFB}"/>
+              </a:ext>
+            </a:extLst>
+          </p:cNvPr>
+          <p:cNvPicPr>
+            <a:picLocks noChangeAspect="1"/>
+          </p:cNvPicPr>
+          <p:nvPr/>
+        </p:nvPicPr>
+        <p:blipFill>
+          <a:blip r:embed="rId2"/>
+          <a:stretch>
+            <a:fillRect/>
+          </a:stretch>
+        </p:blipFill>
+        <p:spPr>
+          <a:xfrm>
+            <a:off x="2833255" y="3771414"/>
+            <a:ext cx="9358745" cy="3086586"/>
+          </a:xfrm>
+          <a:prstGeom prst="rect">
+            <a:avLst/>
+          </a:prstGeom>
+        </p:spPr>
+      </p:pic>
+      <p:pic>
+        <p:nvPicPr>
+          <p:cNvPr id="9" name="圖片 8" descr="一張含有 文字, 螢幕擷取畫面, Rectangle, 圖表 的圖片&#10;&#10;AI 產生的內容可能不正確。">
+            <a:extLst>
+              <a:ext uri="{FF2B5EF4-FFF2-40B4-BE49-F238E27FC236}">
+                <a16:creationId xmlns:a16="http://schemas.microsoft.com/office/drawing/2014/main" id="{8D99749F-D83C-8A8A-83B9-06089A1CD05E}"/>
+              </a:ext>
+            </a:extLst>
+          </p:cNvPr>
+          <p:cNvPicPr>
+            <a:picLocks noChangeAspect="1"/>
+          </p:cNvPicPr>
+          <p:nvPr/>
+        </p:nvPicPr>
+        <p:blipFill>
+          <a:blip r:embed="rId3"/>
+          <a:stretch>
+            <a:fillRect/>
+          </a:stretch>
+        </p:blipFill>
+        <p:spPr>
+          <a:xfrm>
+            <a:off x="6282801" y="1048196"/>
+            <a:ext cx="5600813" cy="2640091"/>
+          </a:xfrm>
+          <a:prstGeom prst="rect">
+            <a:avLst/>
+          </a:prstGeom>
+        </p:spPr>
+      </p:pic>
+    </p:spTree>
+    <p:extLst>
+      <p:ext uri="{BB962C8B-B14F-4D97-AF65-F5344CB8AC3E}">
+        <p14:creationId xmlns:p14="http://schemas.microsoft.com/office/powerpoint/2010/main" val="3677353986"/>
+      </p:ext>
+    </p:extLst>
+  </p:cSld>
+  <p:clrMapOvr>
+    <a:masterClrMapping/>
+  </p:clrMapOvr>
+</p:sld>
+</file>
+
+<file path=ppt/slides/slide5.xml><?xml version="1.0" encoding="utf-8"?>
+<p:sld xmlns:a="http://schemas.openxmlformats.org/drawingml/2006/main" xmlns:r="http://schemas.openxmlformats.org/officeDocument/2006/relationships" xmlns:p="http://schemas.openxmlformats.org/presentationml/2006/main">
+  <p:cSld>
+    <p:bg>
+      <p:bgPr>
+        <a:blipFill>
+          <a:blip r:embed="rId2">
+            <a:duotone>
+              <a:schemeClr val="bg2">
+                <a:shade val="88000"/>
+                <a:hueMod val="106000"/>
+                <a:satMod val="140000"/>
+                <a:lumMod val="54000"/>
+              </a:schemeClr>
+              <a:schemeClr val="bg2">
+                <a:tint val="98000"/>
+                <a:hueMod val="90000"/>
+                <a:satMod val="150000"/>
+                <a:lumMod val="160000"/>
+              </a:schemeClr>
+            </a:duotone>
+          </a:blip>
+          <a:stretch/>
+        </a:blipFill>
+        <a:effectLst/>
+      </p:bgPr>
+    </p:bg>
+    <p:spTree>
+      <p:nvGrpSpPr>
+        <p:cNvPr id="1" name=""/>
+        <p:cNvGrpSpPr/>
+        <p:nvPr/>
+      </p:nvGrpSpPr>
+      <p:grpSpPr>
+        <a:xfrm>
+          <a:off x="0" y="0"/>
+          <a:ext cx="0" cy="0"/>
+          <a:chOff x="0" y="0"/>
+          <a:chExt cx="0" cy="0"/>
+        </a:xfrm>
+      </p:grpSpPr>
+      <p:sp useBgFill="1">
+        <p:nvSpPr>
+          <p:cNvPr id="12" name="Rectangle 11">
+            <a:extLst>
+              <a:ext uri="{FF2B5EF4-FFF2-40B4-BE49-F238E27FC236}">
+                <a16:creationId xmlns:a16="http://schemas.microsoft.com/office/drawing/2014/main" id="{C2E4E997-8672-4FFD-B8EC-9932A8E4714B}"/>
+              </a:ext>
+              <a:ext uri="{C183D7F6-B498-43B3-948B-1728B52AA6E4}">
+                <adec:decorative xmlns:adec="http://schemas.microsoft.com/office/drawing/2017/decorative" val="1"/>
+              </a:ext>
+            </a:extLst>
+          </p:cNvPr>
+          <p:cNvSpPr>
+            <a:spLocks noGrp="1" noRot="1" noChangeAspect="1" noMove="1" noResize="1" noEditPoints="1" noAdjustHandles="1" noChangeArrowheads="1" noChangeShapeType="1" noTextEdit="1"/>
+          </p:cNvSpPr>
+          <p:nvPr>
+            <p:extLst>
+              <p:ext uri="{386F3935-93C4-4BCD-93E2-E3B085C9AB24}">
+                <p16:designElem xmlns:p16="http://schemas.microsoft.com/office/powerpoint/2015/main" val="1"/>
+              </p:ext>
+            </p:extLst>
+          </p:nvPr>
+        </p:nvSpPr>
+        <p:spPr>
+          <a:xfrm>
+            <a:off x="0" y="0"/>
+            <a:ext cx="12192000" cy="6858000"/>
+          </a:xfrm>
+          <a:prstGeom prst="rect">
+            <a:avLst/>
+          </a:prstGeom>
+          <a:ln>
+            <a:noFill/>
+          </a:ln>
+        </p:spPr>
+        <p:style>
+          <a:lnRef idx="2">
+            <a:schemeClr val="accent1">
+              <a:shade val="50000"/>
+            </a:schemeClr>
+          </a:lnRef>
+          <a:fillRef idx="1003">
+            <a:schemeClr val="dk2"/>
+          </a:fillRef>
+          <a:effectRef idx="0">
+            <a:schemeClr val="accent1"/>
+          </a:effectRef>
+          <a:fontRef idx="minor">
+            <a:schemeClr val="lt1"/>
+          </a:fontRef>
+        </p:style>
+        <p:txBody>
+          <a:bodyPr rtlCol="0" anchor="ctr"/>
+          <a:lstStyle/>
+          <a:p>
+            <a:pPr algn="ctr"/>
+            <a:endParaRPr lang="en-US"/>
+          </a:p>
+        </p:txBody>
+      </p:sp>
+      <p:pic>
+        <p:nvPicPr>
+          <p:cNvPr id="14" name="Picture 2">
+            <a:extLst>
+              <a:ext uri="{FF2B5EF4-FFF2-40B4-BE49-F238E27FC236}">
+                <a16:creationId xmlns:a16="http://schemas.microsoft.com/office/drawing/2014/main" id="{FE6BA9E6-1D9E-4D30-B528-D49FA1342E4E}"/>
+              </a:ext>
+              <a:ext uri="{C183D7F6-B498-43B3-948B-1728B52AA6E4}">
+                <adec:decorative xmlns:adec="http://schemas.microsoft.com/office/drawing/2017/decorative" val="1"/>
+              </a:ext>
+            </a:extLst>
+          </p:cNvPr>
+          <p:cNvPicPr>
+            <a:picLocks noGrp="1" noRot="1" noChangeAspect="1" noMove="1" noResize="1" noEditPoints="1" noAdjustHandles="1" noChangeArrowheads="1" noChangeShapeType="1" noCrop="1"/>
+          </p:cNvPicPr>
+          <p:nvPr>
+            <p:extLst>
+              <p:ext uri="{386F3935-93C4-4BCD-93E2-E3B085C9AB24}">
+                <p16:designElem xmlns:p16="http://schemas.microsoft.com/office/powerpoint/2015/main" val="1"/>
+              </p:ext>
+            </p:extLst>
+          </p:nvPr>
+        </p:nvPicPr>
+        <p:blipFill>
+          <a:blip r:embed="rId3">
+            <a:alphaModFix amt="30000"/>
+            <a:extLst>
+              <a:ext uri="{28A0092B-C50C-407E-A947-70E740481C1C}">
+                <a14:useLocalDpi xmlns:a14="http://schemas.microsoft.com/office/drawing/2010/main" val="0"/>
+              </a:ext>
+            </a:extLst>
+          </a:blip>
+          <a:srcRect/>
+          <a:stretch>
+            <a:fillRect/>
+          </a:stretch>
+        </p:blipFill>
+        <p:spPr bwMode="auto">
+          <a:xfrm>
+            <a:off x="0" y="0"/>
+            <a:ext cx="12192003" cy="6858001"/>
+          </a:xfrm>
+          <a:prstGeom prst="rect">
+            <a:avLst/>
+          </a:prstGeom>
+          <a:noFill/>
+          <a:extLst>
+            <a:ext uri="{909E8E84-426E-40dd-AFC4-6F175D3DCCD1}">
+              <a14:hiddenFill xmlns="" xmlns:a16="http://schemas.microsoft.com/office/drawing/2014/main" xmlns:p14="http://schemas.microsoft.com/office/powerpoint/2010/main" xmlns:a14="http://schemas.microsoft.com/office/drawing/2010/main">
+                <a:solidFill>
+                  <a:srgbClr val="FFFFFF"/>
+                </a:solidFill>
+              </a14:hiddenFill>
+            </a:ext>
+          </a:extLst>
+        </p:spPr>
+      </p:pic>
+      <p:sp>
+        <p:nvSpPr>
+          <p:cNvPr id="2" name="標題 1">
+            <a:extLst>
+              <a:ext uri="{FF2B5EF4-FFF2-40B4-BE49-F238E27FC236}">
+                <a16:creationId xmlns:a16="http://schemas.microsoft.com/office/drawing/2014/main" id="{019F6213-8824-D207-14B4-121C07ED36A8}"/>
+              </a:ext>
+            </a:extLst>
+          </p:cNvPr>
+          <p:cNvSpPr>
+            <a:spLocks noGrp="1"/>
+          </p:cNvSpPr>
+          <p:nvPr>
+            <p:ph type="title"/>
+          </p:nvPr>
+        </p:nvSpPr>
+        <p:spPr>
+          <a:xfrm>
+            <a:off x="1141413" y="618518"/>
+            <a:ext cx="4459286" cy="1478570"/>
+          </a:xfrm>
+        </p:spPr>
+        <p:txBody>
+          <a:bodyPr>
+            <a:normAutofit/>
+          </a:bodyPr>
+          <a:lstStyle/>
+          <a:p>
+            <a:r>
+              <a:rPr lang="zh-TW" altLang="en-US" sz="3200"/>
+              <a:t>建構子</a:t>
+            </a:r>
+          </a:p>
+        </p:txBody>
+      </p:sp>
+      <p:sp>
+        <p:nvSpPr>
+          <p:cNvPr id="3" name="內容版面配置區 2">
+            <a:extLst>
+              <a:ext uri="{FF2B5EF4-FFF2-40B4-BE49-F238E27FC236}">
+                <a16:creationId xmlns:a16="http://schemas.microsoft.com/office/drawing/2014/main" id="{7490B15A-B86B-BEEE-CAC9-F30214752E5B}"/>
+              </a:ext>
+            </a:extLst>
+          </p:cNvPr>
+          <p:cNvSpPr>
+            <a:spLocks noGrp="1"/>
+          </p:cNvSpPr>
+          <p:nvPr>
+            <p:ph idx="1"/>
+          </p:nvPr>
+        </p:nvSpPr>
+        <p:spPr>
+          <a:xfrm>
+            <a:off x="1141412" y="2249487"/>
+            <a:ext cx="4459287" cy="3965046"/>
+          </a:xfrm>
+        </p:spPr>
+        <p:txBody>
+          <a:bodyPr>
+            <a:normAutofit/>
+          </a:bodyPr>
+          <a:lstStyle/>
+          <a:p>
+            <a:r>
+              <a:rPr lang="zh-TW" altLang="en-US" sz="2000" dirty="0"/>
+              <a:t>修飾詞</a:t>
+            </a:r>
+          </a:p>
+        </p:txBody>
+      </p:sp>
+      <p:pic>
+        <p:nvPicPr>
+          <p:cNvPr id="7" name="圖片 6" descr="一張含有 文字, 螢幕擷取畫面, 字型 的圖片&#10;&#10;AI 產生的內容可能不正確。">
+            <a:extLst>
+              <a:ext uri="{FF2B5EF4-FFF2-40B4-BE49-F238E27FC236}">
+                <a16:creationId xmlns:a16="http://schemas.microsoft.com/office/drawing/2014/main" id="{6FB0A5DB-7209-44B5-05CA-E77FB1163DB5}"/>
+              </a:ext>
+            </a:extLst>
+          </p:cNvPr>
+          <p:cNvPicPr>
+            <a:picLocks noChangeAspect="1"/>
+          </p:cNvPicPr>
+          <p:nvPr/>
+        </p:nvPicPr>
+        <p:blipFill>
+          <a:blip r:embed="rId4"/>
+          <a:stretch>
+            <a:fillRect/>
+          </a:stretch>
+        </p:blipFill>
+        <p:spPr>
+          <a:xfrm>
+            <a:off x="6096000" y="2141120"/>
+            <a:ext cx="5456279" cy="2550810"/>
+          </a:xfrm>
+          <a:prstGeom prst="round2DiagRect">
+            <a:avLst>
+              <a:gd name="adj1" fmla="val 5608"/>
+              <a:gd name="adj2" fmla="val 0"/>
+            </a:avLst>
+          </a:prstGeom>
+          <a:ln w="19050" cap="sq">
+            <a:solidFill>
+              <a:schemeClr val="tx2">
+                <a:lumMod val="60000"/>
+                <a:lumOff val="40000"/>
+                <a:alpha val="60000"/>
+              </a:schemeClr>
+            </a:solidFill>
+            <a:miter lim="800000"/>
+          </a:ln>
+          <a:effectLst>
+            <a:outerShdw blurRad="88900" dist="38100" dir="5400000" algn="t" rotWithShape="0">
+              <a:prstClr val="black">
+                <a:alpha val="40000"/>
+              </a:prstClr>
+            </a:outerShdw>
+          </a:effectLst>
+        </p:spPr>
+      </p:pic>
+      <p:grpSp>
+        <p:nvGrpSpPr>
+          <p:cNvPr id="16" name="Group 15">
+            <a:extLst>
+              <a:ext uri="{FF2B5EF4-FFF2-40B4-BE49-F238E27FC236}">
+                <a16:creationId xmlns:a16="http://schemas.microsoft.com/office/drawing/2014/main" id="{453E4DEE-E996-40F8-8635-0FF43D7348F9}"/>
+              </a:ext>
+              <a:ext uri="{C183D7F6-B498-43B3-948B-1728B52AA6E4}">
+                <adec:decorative xmlns:adec="http://schemas.microsoft.com/office/drawing/2017/decorative" val="1"/>
+              </a:ext>
+            </a:extLst>
+          </p:cNvPr>
+          <p:cNvGrpSpPr>
+            <a:grpSpLocks noGrp="1" noUngrp="1" noRot="1" noChangeAspect="1" noMove="1" noResize="1"/>
+          </p:cNvGrpSpPr>
+          <p:nvPr>
+            <p:extLst>
+              <p:ext uri="{386F3935-93C4-4BCD-93E2-E3B085C9AB24}">
+                <p16:designElem xmlns:p16="http://schemas.microsoft.com/office/powerpoint/2015/main" val="1"/>
+              </p:ext>
+            </p:extLst>
+          </p:nvPr>
+        </p:nvGrpSpPr>
+        <p:grpSpPr>
+          <a:xfrm>
+            <a:off x="0" y="0"/>
+            <a:ext cx="1220788" cy="6858001"/>
+            <a:chOff x="-14288" y="0"/>
+            <a:chExt cx="1220788" cy="6858001"/>
+          </a:xfrm>
+          <a:gradFill flip="none" rotWithShape="1">
+            <a:gsLst>
+              <a:gs pos="0">
+                <a:schemeClr val="tx2"/>
+              </a:gs>
+              <a:gs pos="100000">
+                <a:schemeClr val="bg2">
+                  <a:lumMod val="60000"/>
+                  <a:lumOff val="40000"/>
+                </a:schemeClr>
+              </a:gs>
+            </a:gsLst>
+            <a:lin ang="5400000" scaled="0"/>
+            <a:tileRect/>
+          </a:gradFill>
+        </p:grpSpPr>
+        <p:sp>
+          <p:nvSpPr>
+            <p:cNvPr id="17" name="Rectangle 5">
+              <a:extLst>
+                <a:ext uri="{FF2B5EF4-FFF2-40B4-BE49-F238E27FC236}">
+                  <a16:creationId xmlns:a16="http://schemas.microsoft.com/office/drawing/2014/main" id="{08BD1D3E-43CE-49EB-A424-0738950C6424}"/>
+                </a:ext>
+                <a:ext uri="{C183D7F6-B498-43B3-948B-1728B52AA6E4}">
+                  <adec:decorative xmlns:adec="http://schemas.microsoft.com/office/drawing/2017/decorative" val="1"/>
+                </a:ext>
+              </a:extLst>
+            </p:cNvPr>
+            <p:cNvSpPr>
+              <a:spLocks noChangeArrowheads="1"/>
+            </p:cNvSpPr>
+            <p:nvPr>
+              <p:extLst>
+                <p:ext uri="{386F3935-93C4-4BCD-93E2-E3B085C9AB24}">
+                  <p16:designElem xmlns:p16="http://schemas.microsoft.com/office/powerpoint/2015/main" val="1"/>
+                </p:ext>
+              </p:extLst>
+            </p:nvPr>
+          </p:nvSpPr>
+          <p:spPr bwMode="auto">
+            <a:xfrm>
+              <a:off x="114300" y="4763"/>
+              <a:ext cx="23813" cy="2181225"/>
+            </a:xfrm>
+            <a:prstGeom prst="rect">
+              <a:avLst/>
+            </a:prstGeom>
+            <a:grpFill/>
+            <a:ln>
+              <a:noFill/>
+            </a:ln>
+            <a:extLst>
+              <a:ext uri="{91240B29-F687-4f45-9708-019B960494DF}">
+                <a14:hiddenLine xmlns="" xmlns:a16="http://schemas.microsoft.com/office/drawing/2014/main" xmlns:p14="http://schemas.microsoft.com/office/powerpoint/2010/main" xmlns:a14="http://schemas.microsoft.com/office/drawing/2010/main" w="9525">
+                  <a:solidFill>
+                    <a:srgbClr val="000000"/>
+                  </a:solidFill>
+                  <a:miter lim="800000"/>
+                  <a:headEnd/>
+                  <a:tailEnd/>
+                </a14:hiddenLine>
+              </a:ext>
+            </a:extLst>
+          </p:spPr>
+          <p:txBody>
+            <a:bodyPr/>
+            <a:lstStyle/>
+            <a:p>
+              <a:endParaRPr lang="zh-TW" altLang="en-US"/>
+            </a:p>
+          </p:txBody>
+        </p:sp>
+        <p:sp>
+          <p:nvSpPr>
+            <p:cNvPr id="18" name="Freeform 6">
+              <a:extLst>
+                <a:ext uri="{FF2B5EF4-FFF2-40B4-BE49-F238E27FC236}">
+                  <a16:creationId xmlns:a16="http://schemas.microsoft.com/office/drawing/2014/main" id="{E9182037-E3FA-489A-95D5-29E4248420D8}"/>
+                </a:ext>
+                <a:ext uri="{C183D7F6-B498-43B3-948B-1728B52AA6E4}">
+                  <adec:decorative xmlns:adec="http://schemas.microsoft.com/office/drawing/2017/decorative" val="1"/>
+                </a:ext>
+              </a:extLst>
+            </p:cNvPr>
+            <p:cNvSpPr>
+              <a:spLocks noEditPoints="1"/>
+            </p:cNvSpPr>
+            <p:nvPr>
+              <p:extLst>
+                <p:ext uri="{386F3935-93C4-4BCD-93E2-E3B085C9AB24}">
+                  <p16:designElem xmlns:p16="http://schemas.microsoft.com/office/powerpoint/2015/main" val="1"/>
+                </p:ext>
+              </p:extLst>
+            </p:nvPr>
+          </p:nvSpPr>
+          <p:spPr bwMode="auto">
+            <a:xfrm>
+              <a:off x="33337" y="2176463"/>
+              <a:ext cx="190500" cy="190500"/>
+            </a:xfrm>
+            <a:custGeom>
+              <a:avLst/>
+              <a:gdLst/>
+              <a:ahLst/>
+              <a:cxnLst/>
+              <a:rect l="0" t="0" r="r" b="b"/>
+              <a:pathLst>
+                <a:path w="40" h="40">
+                  <a:moveTo>
+                    <a:pt x="20" y="40"/>
+                  </a:moveTo>
+                  <a:cubicBezTo>
+                    <a:pt x="9" y="40"/>
+                    <a:pt x="0" y="31"/>
+                    <a:pt x="0" y="20"/>
+                  </a:cubicBezTo>
+                  <a:cubicBezTo>
+                    <a:pt x="0" y="9"/>
+                    <a:pt x="9" y="0"/>
+                    <a:pt x="20" y="0"/>
+                  </a:cubicBezTo>
+                  <a:cubicBezTo>
+                    <a:pt x="31" y="0"/>
+                    <a:pt x="40" y="9"/>
+                    <a:pt x="40" y="20"/>
+                  </a:cubicBezTo>
+                  <a:cubicBezTo>
+                    <a:pt x="40" y="31"/>
+                    <a:pt x="31" y="40"/>
+                    <a:pt x="20" y="40"/>
+                  </a:cubicBezTo>
+                  <a:close/>
+                  <a:moveTo>
+                    <a:pt x="20" y="4"/>
+                  </a:moveTo>
+                  <a:cubicBezTo>
+                    <a:pt x="11" y="4"/>
+                    <a:pt x="4" y="11"/>
+                    <a:pt x="4" y="20"/>
+                  </a:cubicBezTo>
+                  <a:cubicBezTo>
+                    <a:pt x="4" y="29"/>
+                    <a:pt x="11" y="36"/>
+                    <a:pt x="20" y="36"/>
+                  </a:cubicBezTo>
+                  <a:cubicBezTo>
+                    <a:pt x="28" y="36"/>
+                    <a:pt x="36" y="29"/>
+                    <a:pt x="36" y="20"/>
+                  </a:cubicBezTo>
+                  <a:cubicBezTo>
+                    <a:pt x="36" y="11"/>
+                    <a:pt x="28" y="4"/>
+                    <a:pt x="20" y="4"/>
+                  </a:cubicBezTo>
+                  <a:close/>
+                </a:path>
+              </a:pathLst>
+            </a:custGeom>
+            <a:grpFill/>
+            <a:ln>
+              <a:noFill/>
+            </a:ln>
+            <a:extLst>
+              <a:ext uri="{91240B29-F687-4f45-9708-019B960494DF}">
+                <a14:hiddenLine xmlns="" xmlns:a16="http://schemas.microsoft.com/office/drawing/2014/main" xmlns:p14="http://schemas.microsoft.com/office/powerpoint/2010/main" xmlns:a14="http://schemas.microsoft.com/office/drawing/2010/main" w="9525">
+                  <a:solidFill>
+                    <a:srgbClr val="000000"/>
+                  </a:solidFill>
+                  <a:round/>
+                  <a:headEnd/>
+                  <a:tailEnd/>
+                </a14:hiddenLine>
+              </a:ext>
+            </a:extLst>
+          </p:spPr>
+          <p:txBody>
+            <a:bodyPr/>
+            <a:lstStyle/>
+            <a:p>
+              <a:endParaRPr lang="zh-TW" altLang="en-US"/>
+            </a:p>
+          </p:txBody>
+        </p:sp>
+        <p:sp>
+          <p:nvSpPr>
+            <p:cNvPr id="19" name="Freeform 7">
+              <a:extLst>
+                <a:ext uri="{FF2B5EF4-FFF2-40B4-BE49-F238E27FC236}">
+                  <a16:creationId xmlns:a16="http://schemas.microsoft.com/office/drawing/2014/main" id="{E8864E76-AD7F-4BEE-B3F6-A78FA42AEFAC}"/>
+                </a:ext>
+                <a:ext uri="{C183D7F6-B498-43B3-948B-1728B52AA6E4}">
+                  <adec:decorative xmlns:adec="http://schemas.microsoft.com/office/drawing/2017/decorative" val="1"/>
+                </a:ext>
+              </a:extLst>
+            </p:cNvPr>
+            <p:cNvSpPr>
+              <a:spLocks noEditPoints="1"/>
+            </p:cNvSpPr>
+            <p:nvPr>
+              <p:extLst>
+                <p:ext uri="{386F3935-93C4-4BCD-93E2-E3B085C9AB24}">
+                  <p16:designElem xmlns:p16="http://schemas.microsoft.com/office/powerpoint/2015/main" val="1"/>
+                </p:ext>
+              </p:extLst>
+            </p:nvPr>
+          </p:nvSpPr>
+          <p:spPr bwMode="auto">
+            <a:xfrm>
+              <a:off x="28575" y="4021138"/>
+              <a:ext cx="190500" cy="188913"/>
+            </a:xfrm>
+            <a:custGeom>
+              <a:avLst/>
+              <a:gdLst/>
+              <a:ahLst/>
+              <a:cxnLst/>
+              <a:rect l="0" t="0" r="r" b="b"/>
+              <a:pathLst>
+                <a:path w="40" h="40">
+                  <a:moveTo>
+                    <a:pt x="20" y="40"/>
+                  </a:moveTo>
+                  <a:cubicBezTo>
+                    <a:pt x="9" y="40"/>
+                    <a:pt x="0" y="31"/>
+                    <a:pt x="0" y="20"/>
+                  </a:cubicBezTo>
+                  <a:cubicBezTo>
+                    <a:pt x="0" y="9"/>
+                    <a:pt x="9" y="0"/>
+                    <a:pt x="20" y="0"/>
+                  </a:cubicBezTo>
+                  <a:cubicBezTo>
+                    <a:pt x="31" y="0"/>
+                    <a:pt x="40" y="9"/>
+                    <a:pt x="40" y="20"/>
+                  </a:cubicBezTo>
+                  <a:cubicBezTo>
+                    <a:pt x="40" y="31"/>
+                    <a:pt x="31" y="40"/>
+                    <a:pt x="20" y="40"/>
+                  </a:cubicBezTo>
+                  <a:close/>
+                  <a:moveTo>
+                    <a:pt x="20" y="4"/>
+                  </a:moveTo>
+                  <a:cubicBezTo>
+                    <a:pt x="12" y="4"/>
+                    <a:pt x="4" y="11"/>
+                    <a:pt x="4" y="20"/>
+                  </a:cubicBezTo>
+                  <a:cubicBezTo>
+                    <a:pt x="4" y="29"/>
+                    <a:pt x="12" y="36"/>
+                    <a:pt x="20" y="36"/>
+                  </a:cubicBezTo>
+                  <a:cubicBezTo>
+                    <a:pt x="29" y="36"/>
+                    <a:pt x="36" y="29"/>
+                    <a:pt x="36" y="20"/>
+                  </a:cubicBezTo>
+                  <a:cubicBezTo>
+                    <a:pt x="36" y="11"/>
+                    <a:pt x="29" y="4"/>
+                    <a:pt x="20" y="4"/>
+                  </a:cubicBezTo>
+                  <a:close/>
+                </a:path>
+              </a:pathLst>
+            </a:custGeom>
+            <a:grpFill/>
+            <a:ln>
+              <a:noFill/>
+            </a:ln>
+            <a:extLst>
+              <a:ext uri="{91240B29-F687-4f45-9708-019B960494DF}">
+                <a14:hiddenLine xmlns="" xmlns:a16="http://schemas.microsoft.com/office/drawing/2014/main" xmlns:p14="http://schemas.microsoft.com/office/powerpoint/2010/main" xmlns:a14="http://schemas.microsoft.com/office/drawing/2010/main" w="9525">
+                  <a:solidFill>
+                    <a:srgbClr val="000000"/>
+                  </a:solidFill>
+                  <a:round/>
+                  <a:headEnd/>
+                  <a:tailEnd/>
+                </a14:hiddenLine>
+              </a:ext>
+            </a:extLst>
+          </p:spPr>
+          <p:txBody>
+            <a:bodyPr/>
+            <a:lstStyle/>
+            <a:p>
+              <a:endParaRPr lang="zh-TW" altLang="en-US"/>
+            </a:p>
+          </p:txBody>
+        </p:sp>
+        <p:sp>
+          <p:nvSpPr>
+            <p:cNvPr id="20" name="Freeform 8">
+              <a:extLst>
+                <a:ext uri="{FF2B5EF4-FFF2-40B4-BE49-F238E27FC236}">
+                  <a16:creationId xmlns:a16="http://schemas.microsoft.com/office/drawing/2014/main" id="{8AD071B3-046D-4479-91FE-01E9AD7C8AAB}"/>
+                </a:ext>
+                <a:ext uri="{C183D7F6-B498-43B3-948B-1728B52AA6E4}">
+                  <adec:decorative xmlns:adec="http://schemas.microsoft.com/office/drawing/2017/decorative" val="1"/>
+                </a:ext>
+              </a:extLst>
+            </p:cNvPr>
+            <p:cNvSpPr/>
+            <p:nvPr>
+              <p:extLst>
+                <p:ext uri="{386F3935-93C4-4BCD-93E2-E3B085C9AB24}">
+                  <p16:designElem xmlns:p16="http://schemas.microsoft.com/office/powerpoint/2015/main" val="1"/>
+                </p:ext>
+              </p:extLst>
+            </p:nvPr>
+          </p:nvSpPr>
+          <p:spPr bwMode="auto">
+            <a:xfrm>
+              <a:off x="200025" y="4763"/>
+              <a:ext cx="369888" cy="1811338"/>
+            </a:xfrm>
+            <a:custGeom>
+              <a:avLst/>
+              <a:gdLst/>
+              <a:ahLst/>
+              <a:cxnLst/>
+              <a:rect l="0" t="0" r="r" b="b"/>
+              <a:pathLst>
+                <a:path w="233" h="1141">
+                  <a:moveTo>
+                    <a:pt x="218" y="1141"/>
+                  </a:moveTo>
+                  <a:lnTo>
+                    <a:pt x="0" y="626"/>
+                  </a:lnTo>
+                  <a:lnTo>
+                    <a:pt x="0" y="0"/>
+                  </a:lnTo>
+                  <a:lnTo>
+                    <a:pt x="15" y="0"/>
+                  </a:lnTo>
+                  <a:lnTo>
+                    <a:pt x="15" y="623"/>
+                  </a:lnTo>
+                  <a:lnTo>
+                    <a:pt x="233" y="1135"/>
+                  </a:lnTo>
+                  <a:lnTo>
+                    <a:pt x="218" y="1141"/>
+                  </a:lnTo>
+                  <a:close/>
+                </a:path>
+              </a:pathLst>
+            </a:custGeom>
+            <a:grpFill/>
+            <a:ln>
+              <a:noFill/>
+            </a:ln>
+            <a:extLst>
+              <a:ext uri="{91240B29-F687-4f45-9708-019B960494DF}">
+                <a14:hiddenLine xmlns="" xmlns:a16="http://schemas.microsoft.com/office/drawing/2014/main" xmlns:p14="http://schemas.microsoft.com/office/powerpoint/2010/main" xmlns:a14="http://schemas.microsoft.com/office/drawing/2010/main" w="9525">
+                  <a:solidFill>
+                    <a:srgbClr val="000000"/>
+                  </a:solidFill>
+                  <a:round/>
+                  <a:headEnd/>
+                  <a:tailEnd/>
+                </a14:hiddenLine>
+              </a:ext>
+            </a:extLst>
+          </p:spPr>
+          <p:txBody>
+            <a:bodyPr/>
+            <a:lstStyle/>
+            <a:p>
+              <a:endParaRPr lang="zh-TW" altLang="en-US"/>
+            </a:p>
+          </p:txBody>
+        </p:sp>
+        <p:sp>
+          <p:nvSpPr>
+            <p:cNvPr id="21" name="Freeform 9">
+              <a:extLst>
+                <a:ext uri="{FF2B5EF4-FFF2-40B4-BE49-F238E27FC236}">
+                  <a16:creationId xmlns:a16="http://schemas.microsoft.com/office/drawing/2014/main" id="{91D776F5-E902-4A4D-A75D-A46E063C9F38}"/>
+                </a:ext>
+                <a:ext uri="{C183D7F6-B498-43B3-948B-1728B52AA6E4}">
+                  <adec:decorative xmlns:adec="http://schemas.microsoft.com/office/drawing/2017/decorative" val="1"/>
+                </a:ext>
+              </a:extLst>
+            </p:cNvPr>
+            <p:cNvSpPr>
+              <a:spLocks noEditPoints="1"/>
+            </p:cNvSpPr>
+            <p:nvPr>
+              <p:extLst>
+                <p:ext uri="{386F3935-93C4-4BCD-93E2-E3B085C9AB24}">
+                  <p16:designElem xmlns:p16="http://schemas.microsoft.com/office/powerpoint/2015/main" val="1"/>
+                </p:ext>
+              </p:extLst>
+            </p:nvPr>
+          </p:nvSpPr>
+          <p:spPr bwMode="auto">
+            <a:xfrm>
+              <a:off x="503237" y="1801813"/>
+              <a:ext cx="190500" cy="188913"/>
+            </a:xfrm>
+            <a:custGeom>
+              <a:avLst/>
+              <a:gdLst/>
+              <a:ahLst/>
+              <a:cxnLst/>
+              <a:rect l="0" t="0" r="r" b="b"/>
+              <a:pathLst>
+                <a:path w="40" h="40">
+                  <a:moveTo>
+                    <a:pt x="20" y="40"/>
+                  </a:moveTo>
+                  <a:cubicBezTo>
+                    <a:pt x="9" y="40"/>
+                    <a:pt x="0" y="31"/>
+                    <a:pt x="0" y="20"/>
+                  </a:cubicBezTo>
+                  <a:cubicBezTo>
+                    <a:pt x="0" y="9"/>
+                    <a:pt x="9" y="0"/>
+                    <a:pt x="20" y="0"/>
+                  </a:cubicBezTo>
+                  <a:cubicBezTo>
+                    <a:pt x="33" y="0"/>
+                    <a:pt x="40" y="6"/>
+                    <a:pt x="40" y="20"/>
+                  </a:cubicBezTo>
+                  <a:cubicBezTo>
+                    <a:pt x="40" y="31"/>
+                    <a:pt x="31" y="40"/>
+                    <a:pt x="20" y="40"/>
+                  </a:cubicBezTo>
+                  <a:close/>
+                  <a:moveTo>
+                    <a:pt x="20" y="4"/>
+                  </a:moveTo>
+                  <a:cubicBezTo>
+                    <a:pt x="11" y="4"/>
+                    <a:pt x="4" y="11"/>
+                    <a:pt x="4" y="20"/>
+                  </a:cubicBezTo>
+                  <a:cubicBezTo>
+                    <a:pt x="4" y="29"/>
+                    <a:pt x="11" y="36"/>
+                    <a:pt x="20" y="36"/>
+                  </a:cubicBezTo>
+                  <a:cubicBezTo>
+                    <a:pt x="28" y="36"/>
+                    <a:pt x="36" y="29"/>
+                    <a:pt x="36" y="20"/>
+                  </a:cubicBezTo>
+                  <a:cubicBezTo>
+                    <a:pt x="36" y="9"/>
+                    <a:pt x="31" y="4"/>
+                    <a:pt x="20" y="4"/>
+                  </a:cubicBezTo>
+                  <a:close/>
+                </a:path>
+              </a:pathLst>
+            </a:custGeom>
+            <a:grpFill/>
+            <a:ln>
+              <a:noFill/>
+            </a:ln>
+            <a:extLst>
+              <a:ext uri="{91240B29-F687-4f45-9708-019B960494DF}">
+                <a14:hiddenLine xmlns="" xmlns:a16="http://schemas.microsoft.com/office/drawing/2014/main" xmlns:p14="http://schemas.microsoft.com/office/powerpoint/2010/main" xmlns:a14="http://schemas.microsoft.com/office/drawing/2010/main" w="9525">
+                  <a:solidFill>
+                    <a:srgbClr val="000000"/>
+                  </a:solidFill>
+                  <a:round/>
+                  <a:headEnd/>
+                  <a:tailEnd/>
+                </a14:hiddenLine>
+              </a:ext>
+            </a:extLst>
+          </p:spPr>
+          <p:txBody>
+            <a:bodyPr/>
+            <a:lstStyle/>
+            <a:p>
+              <a:endParaRPr lang="zh-TW" altLang="en-US"/>
+            </a:p>
+          </p:txBody>
+        </p:sp>
+        <p:sp>
+          <p:nvSpPr>
+            <p:cNvPr id="22" name="Freeform 10">
+              <a:extLst>
+                <a:ext uri="{FF2B5EF4-FFF2-40B4-BE49-F238E27FC236}">
+                  <a16:creationId xmlns:a16="http://schemas.microsoft.com/office/drawing/2014/main" id="{EBED8F24-A998-4952-AB68-E2074F0746FE}"/>
+                </a:ext>
+                <a:ext uri="{C183D7F6-B498-43B3-948B-1728B52AA6E4}">
+                  <adec:decorative xmlns:adec="http://schemas.microsoft.com/office/drawing/2017/decorative" val="1"/>
+                </a:ext>
+              </a:extLst>
+            </p:cNvPr>
+            <p:cNvSpPr/>
+            <p:nvPr>
+              <p:extLst>
+                <p:ext uri="{386F3935-93C4-4BCD-93E2-E3B085C9AB24}">
+                  <p16:designElem xmlns:p16="http://schemas.microsoft.com/office/powerpoint/2015/main" val="1"/>
+                </p:ext>
+              </p:extLst>
+            </p:nvPr>
+          </p:nvSpPr>
+          <p:spPr bwMode="auto">
+            <a:xfrm>
+              <a:off x="285750" y="4763"/>
+              <a:ext cx="369888" cy="1430338"/>
+            </a:xfrm>
+            <a:custGeom>
+              <a:avLst/>
+              <a:gdLst/>
+              <a:ahLst/>
+              <a:cxnLst/>
+              <a:rect l="0" t="0" r="r" b="b"/>
+              <a:pathLst>
+                <a:path w="233" h="901">
+                  <a:moveTo>
+                    <a:pt x="221" y="901"/>
+                  </a:moveTo>
+                  <a:lnTo>
+                    <a:pt x="0" y="383"/>
+                  </a:lnTo>
+                  <a:lnTo>
+                    <a:pt x="0" y="0"/>
+                  </a:lnTo>
+                  <a:lnTo>
+                    <a:pt x="18" y="0"/>
+                  </a:lnTo>
+                  <a:lnTo>
+                    <a:pt x="18" y="380"/>
+                  </a:lnTo>
+                  <a:lnTo>
+                    <a:pt x="233" y="895"/>
+                  </a:lnTo>
+                  <a:lnTo>
+                    <a:pt x="221" y="901"/>
+                  </a:lnTo>
+                  <a:close/>
+                </a:path>
+              </a:pathLst>
+            </a:custGeom>
+            <a:grpFill/>
+            <a:ln>
+              <a:noFill/>
+            </a:ln>
+            <a:extLst>
+              <a:ext uri="{91240B29-F687-4f45-9708-019B960494DF}">
+                <a14:hiddenLine xmlns="" xmlns:a16="http://schemas.microsoft.com/office/drawing/2014/main" xmlns:p14="http://schemas.microsoft.com/office/powerpoint/2010/main" xmlns:a14="http://schemas.microsoft.com/office/drawing/2010/main" w="9525">
+                  <a:solidFill>
+                    <a:srgbClr val="000000"/>
+                  </a:solidFill>
+                  <a:round/>
+                  <a:headEnd/>
+                  <a:tailEnd/>
+                </a14:hiddenLine>
+              </a:ext>
+            </a:extLst>
+          </p:spPr>
+          <p:txBody>
+            <a:bodyPr/>
+            <a:lstStyle/>
+            <a:p>
+              <a:endParaRPr lang="zh-TW" altLang="en-US"/>
+            </a:p>
+          </p:txBody>
+        </p:sp>
+        <p:sp>
+          <p:nvSpPr>
+            <p:cNvPr id="23" name="Freeform 11">
+              <a:extLst>
+                <a:ext uri="{FF2B5EF4-FFF2-40B4-BE49-F238E27FC236}">
+                  <a16:creationId xmlns:a16="http://schemas.microsoft.com/office/drawing/2014/main" id="{74D7A646-8CDC-49B3-9C44-3EF38DB4264C}"/>
+                </a:ext>
+                <a:ext uri="{C183D7F6-B498-43B3-948B-1728B52AA6E4}">
+                  <adec:decorative xmlns:adec="http://schemas.microsoft.com/office/drawing/2017/decorative" val="1"/>
+                </a:ext>
+              </a:extLst>
+            </p:cNvPr>
+            <p:cNvSpPr/>
+            <p:nvPr>
+              <p:extLst>
+                <p:ext uri="{386F3935-93C4-4BCD-93E2-E3B085C9AB24}">
+                  <p16:designElem xmlns:p16="http://schemas.microsoft.com/office/powerpoint/2015/main" val="1"/>
+                </p:ext>
+              </p:extLst>
+            </p:nvPr>
+          </p:nvSpPr>
+          <p:spPr bwMode="auto">
+            <a:xfrm>
+              <a:off x="546100" y="0"/>
+              <a:ext cx="152400" cy="912813"/>
+            </a:xfrm>
+            <a:custGeom>
+              <a:avLst/>
+              <a:gdLst/>
+              <a:ahLst/>
+              <a:cxnLst/>
+              <a:rect l="0" t="0" r="r" b="b"/>
+              <a:pathLst>
+                <a:path w="96" h="575">
+                  <a:moveTo>
+                    <a:pt x="96" y="575"/>
+                  </a:moveTo>
+                  <a:lnTo>
+                    <a:pt x="78" y="575"/>
+                  </a:lnTo>
+                  <a:lnTo>
+                    <a:pt x="78" y="192"/>
+                  </a:lnTo>
+                  <a:lnTo>
+                    <a:pt x="0" y="6"/>
+                  </a:lnTo>
+                  <a:lnTo>
+                    <a:pt x="15" y="0"/>
+                  </a:lnTo>
+                  <a:lnTo>
+                    <a:pt x="96" y="189"/>
+                  </a:lnTo>
+                  <a:lnTo>
+                    <a:pt x="96" y="575"/>
+                  </a:lnTo>
+                  <a:close/>
+                </a:path>
+              </a:pathLst>
+            </a:custGeom>
+            <a:grpFill/>
+            <a:ln>
+              <a:noFill/>
+            </a:ln>
+            <a:extLst>
+              <a:ext uri="{91240B29-F687-4f45-9708-019B960494DF}">
+                <a14:hiddenLine xmlns="" xmlns:a16="http://schemas.microsoft.com/office/drawing/2014/main" xmlns:p14="http://schemas.microsoft.com/office/powerpoint/2010/main" xmlns:a14="http://schemas.microsoft.com/office/drawing/2010/main" w="9525">
+                  <a:solidFill>
+                    <a:srgbClr val="000000"/>
+                  </a:solidFill>
+                  <a:round/>
+                  <a:headEnd/>
+                  <a:tailEnd/>
+                </a14:hiddenLine>
+              </a:ext>
+            </a:extLst>
+          </p:spPr>
+          <p:txBody>
+            <a:bodyPr/>
+            <a:lstStyle/>
+            <a:p>
+              <a:endParaRPr lang="zh-TW" altLang="en-US"/>
+            </a:p>
+          </p:txBody>
+        </p:sp>
+        <p:sp>
+          <p:nvSpPr>
+            <p:cNvPr id="24" name="Freeform 12">
+              <a:extLst>
+                <a:ext uri="{FF2B5EF4-FFF2-40B4-BE49-F238E27FC236}">
+                  <a16:creationId xmlns:a16="http://schemas.microsoft.com/office/drawing/2014/main" id="{D4E99D14-E4F4-419B-9AAF-8D1CEAB28A2D}"/>
+                </a:ext>
+                <a:ext uri="{C183D7F6-B498-43B3-948B-1728B52AA6E4}">
+                  <adec:decorative xmlns:adec="http://schemas.microsoft.com/office/drawing/2017/decorative" val="1"/>
+                </a:ext>
+              </a:extLst>
+            </p:cNvPr>
+            <p:cNvSpPr>
+              <a:spLocks noEditPoints="1"/>
+            </p:cNvSpPr>
+            <p:nvPr>
+              <p:extLst>
+                <p:ext uri="{386F3935-93C4-4BCD-93E2-E3B085C9AB24}">
+                  <p16:designElem xmlns:p16="http://schemas.microsoft.com/office/powerpoint/2015/main" val="1"/>
+                </p:ext>
+              </p:extLst>
+            </p:nvPr>
+          </p:nvSpPr>
+          <p:spPr bwMode="auto">
+            <a:xfrm>
+              <a:off x="588962" y="1420813"/>
+              <a:ext cx="190500" cy="190500"/>
+            </a:xfrm>
+            <a:custGeom>
+              <a:avLst/>
+              <a:gdLst/>
+              <a:ahLst/>
+              <a:cxnLst/>
+              <a:rect l="0" t="0" r="r" b="b"/>
+              <a:pathLst>
+                <a:path w="40" h="40">
+                  <a:moveTo>
+                    <a:pt x="20" y="40"/>
+                  </a:moveTo>
+                  <a:cubicBezTo>
+                    <a:pt x="9" y="40"/>
+                    <a:pt x="0" y="31"/>
+                    <a:pt x="0" y="20"/>
+                  </a:cubicBezTo>
+                  <a:cubicBezTo>
+                    <a:pt x="0" y="9"/>
+                    <a:pt x="9" y="0"/>
+                    <a:pt x="20" y="0"/>
+                  </a:cubicBezTo>
+                  <a:cubicBezTo>
+                    <a:pt x="33" y="0"/>
+                    <a:pt x="40" y="7"/>
+                    <a:pt x="40" y="20"/>
+                  </a:cubicBezTo>
+                  <a:cubicBezTo>
+                    <a:pt x="40" y="31"/>
+                    <a:pt x="31" y="40"/>
+                    <a:pt x="20" y="40"/>
+                  </a:cubicBezTo>
+                  <a:close/>
+                  <a:moveTo>
+                    <a:pt x="20" y="4"/>
+                  </a:moveTo>
+                  <a:cubicBezTo>
+                    <a:pt x="11" y="4"/>
+                    <a:pt x="4" y="11"/>
+                    <a:pt x="4" y="20"/>
+                  </a:cubicBezTo>
+                  <a:cubicBezTo>
+                    <a:pt x="4" y="29"/>
+                    <a:pt x="11" y="36"/>
+                    <a:pt x="20" y="36"/>
+                  </a:cubicBezTo>
+                  <a:cubicBezTo>
+                    <a:pt x="29" y="36"/>
+                    <a:pt x="36" y="29"/>
+                    <a:pt x="36" y="20"/>
+                  </a:cubicBezTo>
+                  <a:cubicBezTo>
+                    <a:pt x="36" y="9"/>
+                    <a:pt x="31" y="4"/>
+                    <a:pt x="20" y="4"/>
+                  </a:cubicBezTo>
+                  <a:close/>
+                </a:path>
+              </a:pathLst>
+            </a:custGeom>
+            <a:grpFill/>
+            <a:ln>
+              <a:noFill/>
+            </a:ln>
+            <a:extLst>
+              <a:ext uri="{91240B29-F687-4f45-9708-019B960494DF}">
+                <a14:hiddenLine xmlns="" xmlns:a16="http://schemas.microsoft.com/office/drawing/2014/main" xmlns:p14="http://schemas.microsoft.com/office/powerpoint/2010/main" xmlns:a14="http://schemas.microsoft.com/office/drawing/2010/main" w="9525">
+                  <a:solidFill>
+                    <a:srgbClr val="000000"/>
+                  </a:solidFill>
+                  <a:round/>
+                  <a:headEnd/>
+                  <a:tailEnd/>
+                </a14:hiddenLine>
+              </a:ext>
+            </a:extLst>
+          </p:spPr>
+          <p:txBody>
+            <a:bodyPr/>
+            <a:lstStyle/>
+            <a:p>
+              <a:endParaRPr lang="zh-TW" altLang="en-US"/>
+            </a:p>
+          </p:txBody>
+        </p:sp>
+        <p:sp>
+          <p:nvSpPr>
+            <p:cNvPr id="25" name="Freeform 13">
+              <a:extLst>
+                <a:ext uri="{FF2B5EF4-FFF2-40B4-BE49-F238E27FC236}">
+                  <a16:creationId xmlns:a16="http://schemas.microsoft.com/office/drawing/2014/main" id="{377E106C-5445-4A52-9F7E-DA1738744291}"/>
+                </a:ext>
+                <a:ext uri="{C183D7F6-B498-43B3-948B-1728B52AA6E4}">
+                  <adec:decorative xmlns:adec="http://schemas.microsoft.com/office/drawing/2017/decorative" val="1"/>
+                </a:ext>
+              </a:extLst>
+            </p:cNvPr>
+            <p:cNvSpPr>
+              <a:spLocks noEditPoints="1"/>
+            </p:cNvSpPr>
+            <p:nvPr>
+              <p:extLst>
+                <p:ext uri="{386F3935-93C4-4BCD-93E2-E3B085C9AB24}">
+                  <p16:designElem xmlns:p16="http://schemas.microsoft.com/office/powerpoint/2015/main" val="1"/>
+                </p:ext>
+              </p:extLst>
+            </p:nvPr>
+          </p:nvSpPr>
+          <p:spPr bwMode="auto">
+            <a:xfrm>
+              <a:off x="588962" y="903288"/>
+              <a:ext cx="190500" cy="190500"/>
+            </a:xfrm>
+            <a:custGeom>
+              <a:avLst/>
+              <a:gdLst/>
+              <a:ahLst/>
+              <a:cxnLst/>
+              <a:rect l="0" t="0" r="r" b="b"/>
+              <a:pathLst>
+                <a:path w="40" h="40">
+                  <a:moveTo>
+                    <a:pt x="20" y="40"/>
+                  </a:moveTo>
+                  <a:cubicBezTo>
+                    <a:pt x="9" y="40"/>
+                    <a:pt x="0" y="31"/>
+                    <a:pt x="0" y="20"/>
+                  </a:cubicBezTo>
+                  <a:cubicBezTo>
+                    <a:pt x="0" y="9"/>
+                    <a:pt x="9" y="0"/>
+                    <a:pt x="20" y="0"/>
+                  </a:cubicBezTo>
+                  <a:cubicBezTo>
+                    <a:pt x="31" y="0"/>
+                    <a:pt x="40" y="9"/>
+                    <a:pt x="40" y="20"/>
+                  </a:cubicBezTo>
+                  <a:cubicBezTo>
+                    <a:pt x="40" y="31"/>
+                    <a:pt x="31" y="40"/>
+                    <a:pt x="20" y="40"/>
+                  </a:cubicBezTo>
+                  <a:close/>
+                  <a:moveTo>
+                    <a:pt x="20" y="4"/>
+                  </a:moveTo>
+                  <a:cubicBezTo>
+                    <a:pt x="11" y="4"/>
+                    <a:pt x="4" y="11"/>
+                    <a:pt x="4" y="20"/>
+                  </a:cubicBezTo>
+                  <a:cubicBezTo>
+                    <a:pt x="4" y="29"/>
+                    <a:pt x="11" y="36"/>
+                    <a:pt x="20" y="36"/>
+                  </a:cubicBezTo>
+                  <a:cubicBezTo>
+                    <a:pt x="29" y="36"/>
+                    <a:pt x="36" y="29"/>
+                    <a:pt x="36" y="20"/>
+                  </a:cubicBezTo>
+                  <a:cubicBezTo>
+                    <a:pt x="36" y="11"/>
+                    <a:pt x="29" y="4"/>
+                    <a:pt x="20" y="4"/>
+                  </a:cubicBezTo>
+                  <a:close/>
+                </a:path>
+              </a:pathLst>
+            </a:custGeom>
+            <a:grpFill/>
+            <a:ln>
+              <a:noFill/>
+            </a:ln>
+            <a:extLst>
+              <a:ext uri="{91240B29-F687-4f45-9708-019B960494DF}">
+                <a14:hiddenLine xmlns="" xmlns:a16="http://schemas.microsoft.com/office/drawing/2014/main" xmlns:p14="http://schemas.microsoft.com/office/powerpoint/2010/main" xmlns:a14="http://schemas.microsoft.com/office/drawing/2010/main" w="9525">
+                  <a:solidFill>
+                    <a:srgbClr val="000000"/>
+                  </a:solidFill>
+                  <a:round/>
+                  <a:headEnd/>
+                  <a:tailEnd/>
+                </a14:hiddenLine>
+              </a:ext>
+            </a:extLst>
+          </p:spPr>
+          <p:txBody>
+            <a:bodyPr/>
+            <a:lstStyle/>
+            <a:p>
+              <a:endParaRPr lang="zh-TW" altLang="en-US"/>
+            </a:p>
+          </p:txBody>
+        </p:sp>
+        <p:sp>
+          <p:nvSpPr>
+            <p:cNvPr id="26" name="Freeform 14">
+              <a:extLst>
+                <a:ext uri="{FF2B5EF4-FFF2-40B4-BE49-F238E27FC236}">
+                  <a16:creationId xmlns:a16="http://schemas.microsoft.com/office/drawing/2014/main" id="{752BFE96-D378-4BAE-A64B-F851A34C4770}"/>
+                </a:ext>
+                <a:ext uri="{C183D7F6-B498-43B3-948B-1728B52AA6E4}">
+                  <adec:decorative xmlns:adec="http://schemas.microsoft.com/office/drawing/2017/decorative" val="1"/>
+                </a:ext>
+              </a:extLst>
+            </p:cNvPr>
+            <p:cNvSpPr/>
+            <p:nvPr>
+              <p:extLst>
+                <p:ext uri="{386F3935-93C4-4BCD-93E2-E3B085C9AB24}">
+                  <p16:designElem xmlns:p16="http://schemas.microsoft.com/office/powerpoint/2015/main" val="1"/>
+                </p:ext>
+              </p:extLst>
+            </p:nvPr>
+          </p:nvSpPr>
+          <p:spPr bwMode="auto">
+            <a:xfrm>
+              <a:off x="641350" y="0"/>
+              <a:ext cx="422275" cy="527050"/>
+            </a:xfrm>
+            <a:custGeom>
+              <a:avLst/>
+              <a:gdLst/>
+              <a:ahLst/>
+              <a:cxnLst/>
+              <a:rect l="0" t="0" r="r" b="b"/>
+              <a:pathLst>
+                <a:path w="266" h="332">
+                  <a:moveTo>
+                    <a:pt x="257" y="332"/>
+                  </a:moveTo>
+                  <a:lnTo>
+                    <a:pt x="48" y="123"/>
+                  </a:lnTo>
+                  <a:lnTo>
+                    <a:pt x="0" y="6"/>
+                  </a:lnTo>
+                  <a:lnTo>
+                    <a:pt x="15" y="0"/>
+                  </a:lnTo>
+                  <a:lnTo>
+                    <a:pt x="63" y="114"/>
+                  </a:lnTo>
+                  <a:lnTo>
+                    <a:pt x="266" y="320"/>
+                  </a:lnTo>
+                  <a:lnTo>
+                    <a:pt x="257" y="332"/>
+                  </a:lnTo>
+                  <a:close/>
+                </a:path>
+              </a:pathLst>
+            </a:custGeom>
+            <a:grpFill/>
+            <a:ln>
+              <a:noFill/>
+            </a:ln>
+            <a:extLst>
+              <a:ext uri="{91240B29-F687-4f45-9708-019B960494DF}">
+                <a14:hiddenLine xmlns="" xmlns:a16="http://schemas.microsoft.com/office/drawing/2014/main" xmlns:p14="http://schemas.microsoft.com/office/powerpoint/2010/main" xmlns:a14="http://schemas.microsoft.com/office/drawing/2010/main" w="9525">
+                  <a:solidFill>
+                    <a:srgbClr val="000000"/>
+                  </a:solidFill>
+                  <a:round/>
+                  <a:headEnd/>
+                  <a:tailEnd/>
+                </a14:hiddenLine>
+              </a:ext>
+            </a:extLst>
+          </p:spPr>
+          <p:txBody>
+            <a:bodyPr/>
+            <a:lstStyle/>
+            <a:p>
+              <a:endParaRPr lang="zh-TW" altLang="en-US"/>
+            </a:p>
+          </p:txBody>
+        </p:sp>
+        <p:sp>
+          <p:nvSpPr>
+            <p:cNvPr id="27" name="Freeform 15">
+              <a:extLst>
+                <a:ext uri="{FF2B5EF4-FFF2-40B4-BE49-F238E27FC236}">
+                  <a16:creationId xmlns:a16="http://schemas.microsoft.com/office/drawing/2014/main" id="{B88FFB19-5A5E-4078-B467-9D4ABD21BD9A}"/>
+                </a:ext>
+                <a:ext uri="{C183D7F6-B498-43B3-948B-1728B52AA6E4}">
+                  <adec:decorative xmlns:adec="http://schemas.microsoft.com/office/drawing/2017/decorative" val="1"/>
+                </a:ext>
+              </a:extLst>
+            </p:cNvPr>
+            <p:cNvSpPr>
+              <a:spLocks noEditPoints="1"/>
+            </p:cNvSpPr>
+            <p:nvPr>
+              <p:extLst>
+                <p:ext uri="{386F3935-93C4-4BCD-93E2-E3B085C9AB24}">
+                  <p16:designElem xmlns:p16="http://schemas.microsoft.com/office/powerpoint/2015/main" val="1"/>
+                </p:ext>
+              </p:extLst>
+            </p:nvPr>
+          </p:nvSpPr>
+          <p:spPr bwMode="auto">
+            <a:xfrm>
+              <a:off x="1020762" y="488950"/>
+              <a:ext cx="161925" cy="147638"/>
+            </a:xfrm>
+            <a:custGeom>
+              <a:avLst/>
+              <a:gdLst/>
+              <a:ahLst/>
+              <a:cxnLst/>
+              <a:rect l="0" t="0" r="r" b="b"/>
+              <a:pathLst>
+                <a:path w="34" h="31">
+                  <a:moveTo>
+                    <a:pt x="17" y="31"/>
+                  </a:moveTo>
+                  <a:cubicBezTo>
+                    <a:pt x="13" y="31"/>
+                    <a:pt x="9" y="30"/>
+                    <a:pt x="6" y="27"/>
+                  </a:cubicBezTo>
+                  <a:cubicBezTo>
+                    <a:pt x="0" y="20"/>
+                    <a:pt x="0" y="10"/>
+                    <a:pt x="6" y="4"/>
+                  </a:cubicBezTo>
+                  <a:cubicBezTo>
+                    <a:pt x="9" y="1"/>
+                    <a:pt x="13" y="0"/>
+                    <a:pt x="17" y="0"/>
+                  </a:cubicBezTo>
+                  <a:cubicBezTo>
+                    <a:pt x="21" y="0"/>
+                    <a:pt x="25" y="1"/>
+                    <a:pt x="28" y="4"/>
+                  </a:cubicBezTo>
+                  <a:cubicBezTo>
+                    <a:pt x="34" y="10"/>
+                    <a:pt x="34" y="20"/>
+                    <a:pt x="28" y="27"/>
+                  </a:cubicBezTo>
+                  <a:cubicBezTo>
+                    <a:pt x="25" y="30"/>
+                    <a:pt x="21" y="31"/>
+                    <a:pt x="17" y="31"/>
+                  </a:cubicBezTo>
+                  <a:close/>
+                  <a:moveTo>
+                    <a:pt x="17" y="4"/>
+                  </a:moveTo>
+                  <a:cubicBezTo>
+                    <a:pt x="14" y="4"/>
+                    <a:pt x="11" y="5"/>
+                    <a:pt x="9" y="7"/>
+                  </a:cubicBezTo>
+                  <a:cubicBezTo>
+                    <a:pt x="4" y="12"/>
+                    <a:pt x="4" y="19"/>
+                    <a:pt x="9" y="24"/>
+                  </a:cubicBezTo>
+                  <a:cubicBezTo>
+                    <a:pt x="11" y="26"/>
+                    <a:pt x="14" y="27"/>
+                    <a:pt x="17" y="27"/>
+                  </a:cubicBezTo>
+                  <a:cubicBezTo>
+                    <a:pt x="20" y="27"/>
+                    <a:pt x="23" y="26"/>
+                    <a:pt x="25" y="24"/>
+                  </a:cubicBezTo>
+                  <a:cubicBezTo>
+                    <a:pt x="30" y="19"/>
+                    <a:pt x="30" y="12"/>
+                    <a:pt x="25" y="7"/>
+                  </a:cubicBezTo>
+                  <a:cubicBezTo>
+                    <a:pt x="23" y="5"/>
+                    <a:pt x="20" y="4"/>
+                    <a:pt x="17" y="4"/>
+                  </a:cubicBezTo>
+                  <a:close/>
+                </a:path>
+              </a:pathLst>
+            </a:custGeom>
+            <a:grpFill/>
+            <a:ln>
+              <a:noFill/>
+            </a:ln>
+            <a:extLst>
+              <a:ext uri="{91240B29-F687-4f45-9708-019B960494DF}">
+                <a14:hiddenLine xmlns="" xmlns:a16="http://schemas.microsoft.com/office/drawing/2014/main" xmlns:p14="http://schemas.microsoft.com/office/powerpoint/2010/main" xmlns:a14="http://schemas.microsoft.com/office/drawing/2010/main" w="9525">
+                  <a:solidFill>
+                    <a:srgbClr val="000000"/>
+                  </a:solidFill>
+                  <a:round/>
+                  <a:headEnd/>
+                  <a:tailEnd/>
+                </a14:hiddenLine>
+              </a:ext>
+            </a:extLst>
+          </p:spPr>
+          <p:txBody>
+            <a:bodyPr/>
+            <a:lstStyle/>
+            <a:p>
+              <a:endParaRPr lang="zh-TW" altLang="en-US"/>
+            </a:p>
+          </p:txBody>
+        </p:sp>
+        <p:sp>
+          <p:nvSpPr>
+            <p:cNvPr id="28" name="Line 16">
+              <a:extLst>
+                <a:ext uri="{FF2B5EF4-FFF2-40B4-BE49-F238E27FC236}">
+                  <a16:creationId xmlns:a16="http://schemas.microsoft.com/office/drawing/2014/main" id="{11042975-3D19-4728-BCDA-D3F5CD633EDB}"/>
+                </a:ext>
+                <a:ext uri="{C183D7F6-B498-43B3-948B-1728B52AA6E4}">
+                  <adec:decorative xmlns:adec="http://schemas.microsoft.com/office/drawing/2017/decorative" val="1"/>
+                </a:ext>
+              </a:extLst>
+            </p:cNvPr>
+            <p:cNvSpPr>
+              <a:spLocks noChangeShapeType="1"/>
+            </p:cNvSpPr>
+            <p:nvPr>
+              <p:extLst>
+                <p:ext uri="{386F3935-93C4-4BCD-93E2-E3B085C9AB24}">
+                  <p16:designElem xmlns:p16="http://schemas.microsoft.com/office/powerpoint/2015/main" val="1"/>
+                </p:ext>
+              </p:extLst>
+            </p:nvPr>
+          </p:nvSpPr>
+          <p:spPr bwMode="auto">
+            <a:xfrm>
+              <a:off x="-4763" y="9525"/>
+              <a:ext cx="0" cy="0"/>
+            </a:xfrm>
+            <a:prstGeom prst="line">
+              <a:avLst/>
+            </a:prstGeom>
+            <a:grpFill/>
+            <a:ln w="15" cap="flat">
+              <a:solidFill>
+                <a:srgbClr val="FFFFFF"/>
+              </a:solidFill>
+              <a:prstDash val="solid"/>
+              <a:miter lim="800000"/>
+              <a:headEnd/>
+              <a:tailEnd/>
+            </a:ln>
+          </p:spPr>
+          <p:txBody>
+            <a:bodyPr/>
+            <a:lstStyle/>
+            <a:p>
+              <a:endParaRPr lang="zh-TW" altLang="en-US"/>
+            </a:p>
+          </p:txBody>
+        </p:sp>
+        <p:sp>
+          <p:nvSpPr>
+            <p:cNvPr id="29" name="Freeform 17">
+              <a:extLst>
+                <a:ext uri="{FF2B5EF4-FFF2-40B4-BE49-F238E27FC236}">
+                  <a16:creationId xmlns:a16="http://schemas.microsoft.com/office/drawing/2014/main" id="{A28972BD-D2E1-4DCA-A907-2E3B6F606649}"/>
+                </a:ext>
+                <a:ext uri="{C183D7F6-B498-43B3-948B-1728B52AA6E4}">
+                  <adec:decorative xmlns:adec="http://schemas.microsoft.com/office/drawing/2017/decorative" val="1"/>
+                </a:ext>
+              </a:extLst>
+            </p:cNvPr>
+            <p:cNvSpPr/>
+            <p:nvPr>
+              <p:extLst>
+                <p:ext uri="{386F3935-93C4-4BCD-93E2-E3B085C9AB24}">
+                  <p16:designElem xmlns:p16="http://schemas.microsoft.com/office/powerpoint/2015/main" val="1"/>
+                </p:ext>
+              </p:extLst>
+            </p:nvPr>
+          </p:nvSpPr>
+          <p:spPr bwMode="auto">
+            <a:xfrm>
+              <a:off x="9525" y="1801813"/>
+              <a:ext cx="123825" cy="127000"/>
+            </a:xfrm>
+            <a:custGeom>
+              <a:avLst/>
+              <a:gdLst/>
+              <a:ahLst/>
+              <a:cxnLst/>
+              <a:rect l="0" t="0" r="r" b="b"/>
+              <a:pathLst>
+                <a:path w="78" h="80">
+                  <a:moveTo>
+                    <a:pt x="6" y="80"/>
+                  </a:moveTo>
+                  <a:lnTo>
+                    <a:pt x="0" y="71"/>
+                  </a:lnTo>
+                  <a:lnTo>
+                    <a:pt x="69" y="0"/>
+                  </a:lnTo>
+                  <a:lnTo>
+                    <a:pt x="78" y="9"/>
+                  </a:lnTo>
+                  <a:lnTo>
+                    <a:pt x="6" y="80"/>
+                  </a:lnTo>
+                  <a:close/>
+                </a:path>
+              </a:pathLst>
+            </a:custGeom>
+            <a:grpFill/>
+            <a:ln>
+              <a:noFill/>
+            </a:ln>
+            <a:extLst>
+              <a:ext uri="{91240B29-F687-4f45-9708-019B960494DF}">
+                <a14:hiddenLine xmlns="" xmlns:a16="http://schemas.microsoft.com/office/drawing/2014/main" xmlns:p14="http://schemas.microsoft.com/office/powerpoint/2010/main" xmlns:a14="http://schemas.microsoft.com/office/drawing/2010/main" w="9525">
+                  <a:solidFill>
+                    <a:srgbClr val="000000"/>
+                  </a:solidFill>
+                  <a:round/>
+                  <a:headEnd/>
+                  <a:tailEnd/>
+                </a14:hiddenLine>
+              </a:ext>
+            </a:extLst>
+          </p:spPr>
+          <p:txBody>
+            <a:bodyPr/>
+            <a:lstStyle/>
+            <a:p>
+              <a:endParaRPr lang="zh-TW" altLang="en-US"/>
+            </a:p>
+          </p:txBody>
+        </p:sp>
+        <p:sp>
+          <p:nvSpPr>
+            <p:cNvPr id="30" name="Freeform 18">
+              <a:extLst>
+                <a:ext uri="{FF2B5EF4-FFF2-40B4-BE49-F238E27FC236}">
+                  <a16:creationId xmlns:a16="http://schemas.microsoft.com/office/drawing/2014/main" id="{1C806824-5C2D-4747-B038-69EE4074B366}"/>
+                </a:ext>
+                <a:ext uri="{C183D7F6-B498-43B3-948B-1728B52AA6E4}">
+                  <adec:decorative xmlns:adec="http://schemas.microsoft.com/office/drawing/2017/decorative" val="1"/>
+                </a:ext>
+              </a:extLst>
+            </p:cNvPr>
+            <p:cNvSpPr/>
+            <p:nvPr>
+              <p:extLst>
+                <p:ext uri="{386F3935-93C4-4BCD-93E2-E3B085C9AB24}">
+                  <p16:designElem xmlns:p16="http://schemas.microsoft.com/office/powerpoint/2015/main" val="1"/>
+                </p:ext>
+              </p:extLst>
+            </p:nvPr>
+          </p:nvSpPr>
+          <p:spPr bwMode="auto">
+            <a:xfrm>
+              <a:off x="-9525" y="3549650"/>
+              <a:ext cx="147638" cy="481013"/>
+            </a:xfrm>
+            <a:custGeom>
+              <a:avLst/>
+              <a:gdLst/>
+              <a:ahLst/>
+              <a:cxnLst/>
+              <a:rect l="0" t="0" r="r" b="b"/>
+              <a:pathLst>
+                <a:path w="93" h="303">
+                  <a:moveTo>
+                    <a:pt x="93" y="303"/>
+                  </a:moveTo>
+                  <a:lnTo>
+                    <a:pt x="78" y="303"/>
+                  </a:lnTo>
+                  <a:lnTo>
+                    <a:pt x="78" y="78"/>
+                  </a:lnTo>
+                  <a:lnTo>
+                    <a:pt x="0" y="12"/>
+                  </a:lnTo>
+                  <a:lnTo>
+                    <a:pt x="12" y="0"/>
+                  </a:lnTo>
+                  <a:lnTo>
+                    <a:pt x="93" y="69"/>
+                  </a:lnTo>
+                  <a:lnTo>
+                    <a:pt x="93" y="303"/>
+                  </a:lnTo>
+                  <a:close/>
+                </a:path>
+              </a:pathLst>
+            </a:custGeom>
+            <a:grpFill/>
+            <a:ln>
+              <a:noFill/>
+            </a:ln>
+            <a:extLst>
+              <a:ext uri="{91240B29-F687-4f45-9708-019B960494DF}">
+                <a14:hiddenLine xmlns="" xmlns:a16="http://schemas.microsoft.com/office/drawing/2014/main" xmlns:p14="http://schemas.microsoft.com/office/powerpoint/2010/main" xmlns:a14="http://schemas.microsoft.com/office/drawing/2010/main" w="9525">
+                  <a:solidFill>
+                    <a:srgbClr val="000000"/>
+                  </a:solidFill>
+                  <a:round/>
+                  <a:headEnd/>
+                  <a:tailEnd/>
+                </a14:hiddenLine>
+              </a:ext>
+            </a:extLst>
+          </p:spPr>
+          <p:txBody>
+            <a:bodyPr/>
+            <a:lstStyle/>
+            <a:p>
+              <a:endParaRPr lang="zh-TW" altLang="en-US"/>
+            </a:p>
+          </p:txBody>
+        </p:sp>
+        <p:sp>
+          <p:nvSpPr>
+            <p:cNvPr id="31" name="Freeform 19">
+              <a:extLst>
+                <a:ext uri="{FF2B5EF4-FFF2-40B4-BE49-F238E27FC236}">
+                  <a16:creationId xmlns:a16="http://schemas.microsoft.com/office/drawing/2014/main" id="{3B33F710-16D7-4F48-BFCA-66C9CA2352CB}"/>
+                </a:ext>
+                <a:ext uri="{C183D7F6-B498-43B3-948B-1728B52AA6E4}">
+                  <adec:decorative xmlns:adec="http://schemas.microsoft.com/office/drawing/2017/decorative" val="1"/>
+                </a:ext>
+              </a:extLst>
+            </p:cNvPr>
+            <p:cNvSpPr/>
+            <p:nvPr>
+              <p:extLst>
+                <p:ext uri="{386F3935-93C4-4BCD-93E2-E3B085C9AB24}">
+                  <p16:designElem xmlns:p16="http://schemas.microsoft.com/office/powerpoint/2015/main" val="1"/>
+                </p:ext>
+              </p:extLst>
+            </p:nvPr>
+          </p:nvSpPr>
+          <p:spPr bwMode="auto">
+            <a:xfrm>
+              <a:off x="128587" y="1382713"/>
+              <a:ext cx="142875" cy="476250"/>
+            </a:xfrm>
+            <a:custGeom>
+              <a:avLst/>
+              <a:gdLst/>
+              <a:ahLst/>
+              <a:cxnLst/>
+              <a:rect l="0" t="0" r="r" b="b"/>
+              <a:pathLst>
+                <a:path w="90" h="300">
+                  <a:moveTo>
+                    <a:pt x="90" y="300"/>
+                  </a:moveTo>
+                  <a:lnTo>
+                    <a:pt x="78" y="300"/>
+                  </a:lnTo>
+                  <a:lnTo>
+                    <a:pt x="78" y="84"/>
+                  </a:lnTo>
+                  <a:lnTo>
+                    <a:pt x="0" y="9"/>
+                  </a:lnTo>
+                  <a:lnTo>
+                    <a:pt x="9" y="0"/>
+                  </a:lnTo>
+                  <a:lnTo>
+                    <a:pt x="90" y="81"/>
+                  </a:lnTo>
+                  <a:lnTo>
+                    <a:pt x="90" y="300"/>
+                  </a:lnTo>
+                  <a:close/>
+                </a:path>
+              </a:pathLst>
+            </a:custGeom>
+            <a:grpFill/>
+            <a:ln>
+              <a:noFill/>
+            </a:ln>
+            <a:extLst>
+              <a:ext uri="{91240B29-F687-4f45-9708-019B960494DF}">
+                <a14:hiddenLine xmlns="" xmlns:a16="http://schemas.microsoft.com/office/drawing/2014/main" xmlns:p14="http://schemas.microsoft.com/office/powerpoint/2010/main" xmlns:a14="http://schemas.microsoft.com/office/drawing/2010/main" w="9525">
+                  <a:solidFill>
+                    <a:srgbClr val="000000"/>
+                  </a:solidFill>
+                  <a:round/>
+                  <a:headEnd/>
+                  <a:tailEnd/>
+                </a14:hiddenLine>
+              </a:ext>
+            </a:extLst>
+          </p:spPr>
+          <p:txBody>
+            <a:bodyPr/>
+            <a:lstStyle/>
+            <a:p>
+              <a:endParaRPr lang="zh-TW" altLang="en-US"/>
+            </a:p>
+          </p:txBody>
+        </p:sp>
+        <p:sp>
+          <p:nvSpPr>
+            <p:cNvPr id="32" name="Freeform 20">
+              <a:extLst>
+                <a:ext uri="{FF2B5EF4-FFF2-40B4-BE49-F238E27FC236}">
+                  <a16:creationId xmlns:a16="http://schemas.microsoft.com/office/drawing/2014/main" id="{6C8C8ED4-90FA-4E97-AAF0-D5D51E6A935E}"/>
+                </a:ext>
+                <a:ext uri="{C183D7F6-B498-43B3-948B-1728B52AA6E4}">
+                  <adec:decorative xmlns:adec="http://schemas.microsoft.com/office/drawing/2017/decorative" val="1"/>
+                </a:ext>
+              </a:extLst>
+            </p:cNvPr>
+            <p:cNvSpPr>
+              <a:spLocks noEditPoints="1"/>
+            </p:cNvSpPr>
+            <p:nvPr>
+              <p:extLst>
+                <p:ext uri="{386F3935-93C4-4BCD-93E2-E3B085C9AB24}">
+                  <p16:designElem xmlns:p16="http://schemas.microsoft.com/office/powerpoint/2015/main" val="1"/>
+                </p:ext>
+              </p:extLst>
+            </p:nvPr>
+          </p:nvSpPr>
+          <p:spPr bwMode="auto">
+            <a:xfrm>
+              <a:off x="204787" y="1849438"/>
+              <a:ext cx="114300" cy="107950"/>
+            </a:xfrm>
+            <a:custGeom>
+              <a:avLst/>
+              <a:gdLst/>
+              <a:ahLst/>
+              <a:cxnLst/>
+              <a:rect l="0" t="0" r="r" b="b"/>
+              <a:pathLst>
+                <a:path w="24" h="23">
+                  <a:moveTo>
+                    <a:pt x="12" y="23"/>
+                  </a:moveTo>
+                  <a:cubicBezTo>
+                    <a:pt x="6" y="23"/>
+                    <a:pt x="0" y="18"/>
+                    <a:pt x="0" y="12"/>
+                  </a:cubicBezTo>
+                  <a:cubicBezTo>
+                    <a:pt x="0" y="5"/>
+                    <a:pt x="6" y="0"/>
+                    <a:pt x="12" y="0"/>
+                  </a:cubicBezTo>
+                  <a:cubicBezTo>
+                    <a:pt x="18" y="0"/>
+                    <a:pt x="24" y="5"/>
+                    <a:pt x="24" y="12"/>
+                  </a:cubicBezTo>
+                  <a:cubicBezTo>
+                    <a:pt x="24" y="18"/>
+                    <a:pt x="18" y="23"/>
+                    <a:pt x="12" y="23"/>
+                  </a:cubicBezTo>
+                  <a:close/>
+                  <a:moveTo>
+                    <a:pt x="12" y="4"/>
+                  </a:moveTo>
+                  <a:cubicBezTo>
+                    <a:pt x="8" y="4"/>
+                    <a:pt x="4" y="8"/>
+                    <a:pt x="4" y="12"/>
+                  </a:cubicBezTo>
+                  <a:cubicBezTo>
+                    <a:pt x="4" y="16"/>
+                    <a:pt x="8" y="19"/>
+                    <a:pt x="12" y="19"/>
+                  </a:cubicBezTo>
+                  <a:cubicBezTo>
+                    <a:pt x="16" y="19"/>
+                    <a:pt x="20" y="16"/>
+                    <a:pt x="20" y="12"/>
+                  </a:cubicBezTo>
+                  <a:cubicBezTo>
+                    <a:pt x="20" y="8"/>
+                    <a:pt x="16" y="4"/>
+                    <a:pt x="12" y="4"/>
+                  </a:cubicBezTo>
+                  <a:close/>
+                </a:path>
+              </a:pathLst>
+            </a:custGeom>
+            <a:grpFill/>
+            <a:ln>
+              <a:noFill/>
+            </a:ln>
+            <a:extLst>
+              <a:ext uri="{91240B29-F687-4f45-9708-019B960494DF}">
+                <a14:hiddenLine xmlns="" xmlns:a16="http://schemas.microsoft.com/office/drawing/2014/main" xmlns:p14="http://schemas.microsoft.com/office/powerpoint/2010/main" xmlns:a14="http://schemas.microsoft.com/office/drawing/2010/main" w="9525">
+                  <a:solidFill>
+                    <a:srgbClr val="000000"/>
+                  </a:solidFill>
+                  <a:round/>
+                  <a:headEnd/>
+                  <a:tailEnd/>
+                </a14:hiddenLine>
+              </a:ext>
+            </a:extLst>
+          </p:spPr>
+          <p:txBody>
+            <a:bodyPr/>
+            <a:lstStyle/>
+            <a:p>
+              <a:endParaRPr lang="zh-TW" altLang="en-US"/>
+            </a:p>
+          </p:txBody>
+        </p:sp>
+        <p:sp>
+          <p:nvSpPr>
+            <p:cNvPr id="33" name="Rectangle 21">
+              <a:extLst>
+                <a:ext uri="{FF2B5EF4-FFF2-40B4-BE49-F238E27FC236}">
+                  <a16:creationId xmlns:a16="http://schemas.microsoft.com/office/drawing/2014/main" id="{6C5EB9C1-B25F-4172-8A96-5950ECC828FC}"/>
+                </a:ext>
+                <a:ext uri="{C183D7F6-B498-43B3-948B-1728B52AA6E4}">
+                  <adec:decorative xmlns:adec="http://schemas.microsoft.com/office/drawing/2017/decorative" val="1"/>
+                </a:ext>
+              </a:extLst>
+            </p:cNvPr>
+            <p:cNvSpPr>
+              <a:spLocks noChangeArrowheads="1"/>
+            </p:cNvSpPr>
+            <p:nvPr>
+              <p:extLst>
+                <p:ext uri="{386F3935-93C4-4BCD-93E2-E3B085C9AB24}">
+                  <p16:designElem xmlns:p16="http://schemas.microsoft.com/office/powerpoint/2015/main" val="1"/>
+                </p:ext>
+              </p:extLst>
+            </p:nvPr>
+          </p:nvSpPr>
+          <p:spPr bwMode="auto">
+            <a:xfrm>
+              <a:off x="133350" y="4662488"/>
+              <a:ext cx="23813" cy="2181225"/>
+            </a:xfrm>
+            <a:prstGeom prst="rect">
+              <a:avLst/>
+            </a:prstGeom>
+            <a:grpFill/>
+            <a:ln>
+              <a:noFill/>
+            </a:ln>
+            <a:extLst>
+              <a:ext uri="{91240B29-F687-4f45-9708-019B960494DF}">
+                <a14:hiddenLine xmlns="" xmlns:a16="http://schemas.microsoft.com/office/drawing/2014/main" xmlns:p14="http://schemas.microsoft.com/office/powerpoint/2010/main" xmlns:a14="http://schemas.microsoft.com/office/drawing/2010/main" w="9525">
+                  <a:solidFill>
+                    <a:srgbClr val="000000"/>
+                  </a:solidFill>
+                  <a:miter lim="800000"/>
+                  <a:headEnd/>
+                  <a:tailEnd/>
+                </a14:hiddenLine>
+              </a:ext>
+            </a:extLst>
+          </p:spPr>
+          <p:txBody>
+            <a:bodyPr/>
+            <a:lstStyle/>
+            <a:p>
+              <a:endParaRPr lang="zh-TW" altLang="en-US"/>
+            </a:p>
+          </p:txBody>
+        </p:sp>
+        <p:sp>
+          <p:nvSpPr>
+            <p:cNvPr id="34" name="Freeform 22">
+              <a:extLst>
+                <a:ext uri="{FF2B5EF4-FFF2-40B4-BE49-F238E27FC236}">
+                  <a16:creationId xmlns:a16="http://schemas.microsoft.com/office/drawing/2014/main" id="{097E6E8A-9373-4655-882B-21715CCE97EE}"/>
+                </a:ext>
+                <a:ext uri="{C183D7F6-B498-43B3-948B-1728B52AA6E4}">
+                  <adec:decorative xmlns:adec="http://schemas.microsoft.com/office/drawing/2017/decorative" val="1"/>
+                </a:ext>
+              </a:extLst>
+            </p:cNvPr>
+            <p:cNvSpPr/>
+            <p:nvPr>
+              <p:extLst>
+                <p:ext uri="{386F3935-93C4-4BCD-93E2-E3B085C9AB24}">
+                  <p16:designElem xmlns:p16="http://schemas.microsoft.com/office/powerpoint/2015/main" val="1"/>
+                </p:ext>
+              </p:extLst>
+            </p:nvPr>
+          </p:nvSpPr>
+          <p:spPr bwMode="auto">
+            <a:xfrm>
+              <a:off x="223837" y="5041900"/>
+              <a:ext cx="369888" cy="1801813"/>
+            </a:xfrm>
+            <a:custGeom>
+              <a:avLst/>
+              <a:gdLst/>
+              <a:ahLst/>
+              <a:cxnLst/>
+              <a:rect l="0" t="0" r="r" b="b"/>
+              <a:pathLst>
+                <a:path w="233" h="1135">
+                  <a:moveTo>
+                    <a:pt x="15" y="1135"/>
+                  </a:moveTo>
+                  <a:lnTo>
+                    <a:pt x="0" y="1135"/>
+                  </a:lnTo>
+                  <a:lnTo>
+                    <a:pt x="0" y="515"/>
+                  </a:lnTo>
+                  <a:lnTo>
+                    <a:pt x="0" y="512"/>
+                  </a:lnTo>
+                  <a:lnTo>
+                    <a:pt x="218" y="0"/>
+                  </a:lnTo>
+                  <a:lnTo>
+                    <a:pt x="233" y="6"/>
+                  </a:lnTo>
+                  <a:lnTo>
+                    <a:pt x="15" y="518"/>
+                  </a:lnTo>
+                  <a:lnTo>
+                    <a:pt x="15" y="1135"/>
+                  </a:lnTo>
+                  <a:close/>
+                </a:path>
+              </a:pathLst>
+            </a:custGeom>
+            <a:grpFill/>
+            <a:ln>
+              <a:noFill/>
+            </a:ln>
+            <a:extLst>
+              <a:ext uri="{91240B29-F687-4f45-9708-019B960494DF}">
+                <a14:hiddenLine xmlns="" xmlns:a16="http://schemas.microsoft.com/office/drawing/2014/main" xmlns:p14="http://schemas.microsoft.com/office/powerpoint/2010/main" xmlns:a14="http://schemas.microsoft.com/office/drawing/2010/main" w="9525">
+                  <a:solidFill>
+                    <a:srgbClr val="000000"/>
+                  </a:solidFill>
+                  <a:round/>
+                  <a:headEnd/>
+                  <a:tailEnd/>
+                </a14:hiddenLine>
+              </a:ext>
+            </a:extLst>
+          </p:spPr>
+          <p:txBody>
+            <a:bodyPr/>
+            <a:lstStyle/>
+            <a:p>
+              <a:endParaRPr lang="zh-TW" altLang="en-US"/>
+            </a:p>
+          </p:txBody>
+        </p:sp>
+        <p:sp>
+          <p:nvSpPr>
+            <p:cNvPr id="35" name="Freeform 23">
+              <a:extLst>
+                <a:ext uri="{FF2B5EF4-FFF2-40B4-BE49-F238E27FC236}">
+                  <a16:creationId xmlns:a16="http://schemas.microsoft.com/office/drawing/2014/main" id="{EB8CC766-1206-4372-ACAF-8230AF4D5421}"/>
+                </a:ext>
+                <a:ext uri="{C183D7F6-B498-43B3-948B-1728B52AA6E4}">
+                  <adec:decorative xmlns:adec="http://schemas.microsoft.com/office/drawing/2017/decorative" val="1"/>
+                </a:ext>
+              </a:extLst>
+            </p:cNvPr>
+            <p:cNvSpPr>
+              <a:spLocks noEditPoints="1"/>
+            </p:cNvSpPr>
+            <p:nvPr>
+              <p:extLst>
+                <p:ext uri="{386F3935-93C4-4BCD-93E2-E3B085C9AB24}">
+                  <p16:designElem xmlns:p16="http://schemas.microsoft.com/office/powerpoint/2015/main" val="1"/>
+                </p:ext>
+              </p:extLst>
+            </p:nvPr>
+          </p:nvSpPr>
+          <p:spPr bwMode="auto">
+            <a:xfrm>
+              <a:off x="52387" y="4481513"/>
+              <a:ext cx="190500" cy="190500"/>
+            </a:xfrm>
+            <a:custGeom>
+              <a:avLst/>
+              <a:gdLst/>
+              <a:ahLst/>
+              <a:cxnLst/>
+              <a:rect l="0" t="0" r="r" b="b"/>
+              <a:pathLst>
+                <a:path w="40" h="40">
+                  <a:moveTo>
+                    <a:pt x="20" y="40"/>
+                  </a:moveTo>
+                  <a:cubicBezTo>
+                    <a:pt x="9" y="40"/>
+                    <a:pt x="0" y="31"/>
+                    <a:pt x="0" y="20"/>
+                  </a:cubicBezTo>
+                  <a:cubicBezTo>
+                    <a:pt x="0" y="9"/>
+                    <a:pt x="9" y="0"/>
+                    <a:pt x="20" y="0"/>
+                  </a:cubicBezTo>
+                  <a:cubicBezTo>
+                    <a:pt x="31" y="0"/>
+                    <a:pt x="40" y="9"/>
+                    <a:pt x="40" y="20"/>
+                  </a:cubicBezTo>
+                  <a:cubicBezTo>
+                    <a:pt x="40" y="31"/>
+                    <a:pt x="31" y="40"/>
+                    <a:pt x="20" y="40"/>
+                  </a:cubicBezTo>
+                  <a:close/>
+                  <a:moveTo>
+                    <a:pt x="20" y="4"/>
+                  </a:moveTo>
+                  <a:cubicBezTo>
+                    <a:pt x="11" y="4"/>
+                    <a:pt x="4" y="11"/>
+                    <a:pt x="4" y="20"/>
+                  </a:cubicBezTo>
+                  <a:cubicBezTo>
+                    <a:pt x="4" y="29"/>
+                    <a:pt x="11" y="36"/>
+                    <a:pt x="20" y="36"/>
+                  </a:cubicBezTo>
+                  <a:cubicBezTo>
+                    <a:pt x="28" y="36"/>
+                    <a:pt x="36" y="29"/>
+                    <a:pt x="36" y="20"/>
+                  </a:cubicBezTo>
+                  <a:cubicBezTo>
+                    <a:pt x="36" y="11"/>
+                    <a:pt x="28" y="4"/>
+                    <a:pt x="20" y="4"/>
+                  </a:cubicBezTo>
+                  <a:close/>
+                </a:path>
+              </a:pathLst>
+            </a:custGeom>
+            <a:grpFill/>
+            <a:ln>
+              <a:noFill/>
+            </a:ln>
+            <a:extLst>
+              <a:ext uri="{91240B29-F687-4f45-9708-019B960494DF}">
+                <a14:hiddenLine xmlns="" xmlns:a16="http://schemas.microsoft.com/office/drawing/2014/main" xmlns:p14="http://schemas.microsoft.com/office/powerpoint/2010/main" xmlns:a14="http://schemas.microsoft.com/office/drawing/2010/main" w="9525">
+                  <a:solidFill>
+                    <a:srgbClr val="000000"/>
+                  </a:solidFill>
+                  <a:round/>
+                  <a:headEnd/>
+                  <a:tailEnd/>
+                </a14:hiddenLine>
+              </a:ext>
+            </a:extLst>
+          </p:spPr>
+          <p:txBody>
+            <a:bodyPr/>
+            <a:lstStyle/>
+            <a:p>
+              <a:endParaRPr lang="zh-TW" altLang="en-US"/>
+            </a:p>
+          </p:txBody>
+        </p:sp>
+        <p:sp>
+          <p:nvSpPr>
+            <p:cNvPr id="36" name="Freeform 24">
+              <a:extLst>
+                <a:ext uri="{FF2B5EF4-FFF2-40B4-BE49-F238E27FC236}">
+                  <a16:creationId xmlns:a16="http://schemas.microsoft.com/office/drawing/2014/main" id="{1C8E2511-2489-47B2-9C19-C410910DD901}"/>
+                </a:ext>
+                <a:ext uri="{C183D7F6-B498-43B3-948B-1728B52AA6E4}">
+                  <adec:decorative xmlns:adec="http://schemas.microsoft.com/office/drawing/2017/decorative" val="1"/>
+                </a:ext>
+              </a:extLst>
+            </p:cNvPr>
+            <p:cNvSpPr/>
+            <p:nvPr>
+              <p:extLst>
+                <p:ext uri="{386F3935-93C4-4BCD-93E2-E3B085C9AB24}">
+                  <p16:designElem xmlns:p16="http://schemas.microsoft.com/office/powerpoint/2015/main" val="1"/>
+                </p:ext>
+              </p:extLst>
+            </p:nvPr>
+          </p:nvSpPr>
+          <p:spPr bwMode="auto">
+            <a:xfrm>
+              <a:off x="-14288" y="5627688"/>
+              <a:ext cx="85725" cy="1216025"/>
+            </a:xfrm>
+            <a:custGeom>
+              <a:avLst/>
+              <a:gdLst/>
+              <a:ahLst/>
+              <a:cxnLst/>
+              <a:rect l="0" t="0" r="r" b="b"/>
+              <a:pathLst>
+                <a:path w="54" h="766">
+                  <a:moveTo>
+                    <a:pt x="54" y="766"/>
+                  </a:moveTo>
+                  <a:lnTo>
+                    <a:pt x="36" y="766"/>
+                  </a:lnTo>
+                  <a:lnTo>
+                    <a:pt x="36" y="149"/>
+                  </a:lnTo>
+                  <a:lnTo>
+                    <a:pt x="0" y="3"/>
+                  </a:lnTo>
+                  <a:lnTo>
+                    <a:pt x="18" y="0"/>
+                  </a:lnTo>
+                  <a:lnTo>
+                    <a:pt x="54" y="146"/>
+                  </a:lnTo>
+                  <a:lnTo>
+                    <a:pt x="54" y="766"/>
+                  </a:lnTo>
+                  <a:close/>
+                </a:path>
+              </a:pathLst>
+            </a:custGeom>
+            <a:grpFill/>
+            <a:ln>
+              <a:noFill/>
+            </a:ln>
+            <a:extLst>
+              <a:ext uri="{91240B29-F687-4f45-9708-019B960494DF}">
+                <a14:hiddenLine xmlns="" xmlns:a16="http://schemas.microsoft.com/office/drawing/2014/main" xmlns:p14="http://schemas.microsoft.com/office/powerpoint/2010/main" xmlns:a14="http://schemas.microsoft.com/office/drawing/2010/main" w="9525">
+                  <a:solidFill>
+                    <a:srgbClr val="000000"/>
+                  </a:solidFill>
+                  <a:round/>
+                  <a:headEnd/>
+                  <a:tailEnd/>
+                </a14:hiddenLine>
+              </a:ext>
+            </a:extLst>
+          </p:spPr>
+          <p:txBody>
+            <a:bodyPr/>
+            <a:lstStyle/>
+            <a:p>
+              <a:endParaRPr lang="zh-TW" altLang="en-US"/>
+            </a:p>
+          </p:txBody>
+        </p:sp>
+        <p:sp>
+          <p:nvSpPr>
+            <p:cNvPr id="37" name="Freeform 25">
+              <a:extLst>
+                <a:ext uri="{FF2B5EF4-FFF2-40B4-BE49-F238E27FC236}">
+                  <a16:creationId xmlns:a16="http://schemas.microsoft.com/office/drawing/2014/main" id="{D7820196-0A47-47EF-832C-A688E8977D60}"/>
+                </a:ext>
+                <a:ext uri="{C183D7F6-B498-43B3-948B-1728B52AA6E4}">
+                  <adec:decorative xmlns:adec="http://schemas.microsoft.com/office/drawing/2017/decorative" val="1"/>
+                </a:ext>
+              </a:extLst>
+            </p:cNvPr>
+            <p:cNvSpPr>
+              <a:spLocks noEditPoints="1"/>
+            </p:cNvSpPr>
+            <p:nvPr>
+              <p:extLst>
+                <p:ext uri="{386F3935-93C4-4BCD-93E2-E3B085C9AB24}">
+                  <p16:designElem xmlns:p16="http://schemas.microsoft.com/office/powerpoint/2015/main" val="1"/>
+                </p:ext>
+              </p:extLst>
+            </p:nvPr>
+          </p:nvSpPr>
+          <p:spPr bwMode="auto">
+            <a:xfrm>
+              <a:off x="527050" y="4867275"/>
+              <a:ext cx="190500" cy="188913"/>
+            </a:xfrm>
+            <a:custGeom>
+              <a:avLst/>
+              <a:gdLst/>
+              <a:ahLst/>
+              <a:cxnLst/>
+              <a:rect l="0" t="0" r="r" b="b"/>
+              <a:pathLst>
+                <a:path w="40" h="40">
+                  <a:moveTo>
+                    <a:pt x="20" y="40"/>
+                  </a:moveTo>
+                  <a:cubicBezTo>
+                    <a:pt x="9" y="40"/>
+                    <a:pt x="0" y="31"/>
+                    <a:pt x="0" y="20"/>
+                  </a:cubicBezTo>
+                  <a:cubicBezTo>
+                    <a:pt x="0" y="9"/>
+                    <a:pt x="9" y="0"/>
+                    <a:pt x="20" y="0"/>
+                  </a:cubicBezTo>
+                  <a:cubicBezTo>
+                    <a:pt x="31" y="0"/>
+                    <a:pt x="40" y="9"/>
+                    <a:pt x="40" y="20"/>
+                  </a:cubicBezTo>
+                  <a:cubicBezTo>
+                    <a:pt x="40" y="31"/>
+                    <a:pt x="31" y="40"/>
+                    <a:pt x="20" y="40"/>
+                  </a:cubicBezTo>
+                  <a:close/>
+                  <a:moveTo>
+                    <a:pt x="20" y="4"/>
+                  </a:moveTo>
+                  <a:cubicBezTo>
+                    <a:pt x="11" y="4"/>
+                    <a:pt x="4" y="11"/>
+                    <a:pt x="4" y="20"/>
+                  </a:cubicBezTo>
+                  <a:cubicBezTo>
+                    <a:pt x="4" y="29"/>
+                    <a:pt x="11" y="36"/>
+                    <a:pt x="20" y="36"/>
+                  </a:cubicBezTo>
+                  <a:cubicBezTo>
+                    <a:pt x="29" y="36"/>
+                    <a:pt x="36" y="29"/>
+                    <a:pt x="36" y="20"/>
+                  </a:cubicBezTo>
+                  <a:cubicBezTo>
+                    <a:pt x="36" y="11"/>
+                    <a:pt x="29" y="4"/>
+                    <a:pt x="20" y="4"/>
+                  </a:cubicBezTo>
+                  <a:close/>
+                </a:path>
+              </a:pathLst>
+            </a:custGeom>
+            <a:grpFill/>
+            <a:ln>
+              <a:noFill/>
+            </a:ln>
+            <a:extLst>
+              <a:ext uri="{91240B29-F687-4f45-9708-019B960494DF}">
+                <a14:hiddenLine xmlns="" xmlns:a16="http://schemas.microsoft.com/office/drawing/2014/main" xmlns:p14="http://schemas.microsoft.com/office/powerpoint/2010/main" xmlns:a14="http://schemas.microsoft.com/office/drawing/2010/main" w="9525">
+                  <a:solidFill>
+                    <a:srgbClr val="000000"/>
+                  </a:solidFill>
+                  <a:round/>
+                  <a:headEnd/>
+                  <a:tailEnd/>
+                </a14:hiddenLine>
+              </a:ext>
+            </a:extLst>
+          </p:spPr>
+          <p:txBody>
+            <a:bodyPr/>
+            <a:lstStyle/>
+            <a:p>
+              <a:endParaRPr lang="zh-TW" altLang="en-US"/>
+            </a:p>
+          </p:txBody>
+        </p:sp>
+        <p:sp>
+          <p:nvSpPr>
+            <p:cNvPr id="38" name="Freeform 26">
+              <a:extLst>
+                <a:ext uri="{FF2B5EF4-FFF2-40B4-BE49-F238E27FC236}">
+                  <a16:creationId xmlns:a16="http://schemas.microsoft.com/office/drawing/2014/main" id="{4982E0BF-34AE-48A3-AD6B-E0F3CD05DB34}"/>
+                </a:ext>
+                <a:ext uri="{C183D7F6-B498-43B3-948B-1728B52AA6E4}">
+                  <adec:decorative xmlns:adec="http://schemas.microsoft.com/office/drawing/2017/decorative" val="1"/>
+                </a:ext>
+              </a:extLst>
+            </p:cNvPr>
+            <p:cNvSpPr/>
+            <p:nvPr>
+              <p:extLst>
+                <p:ext uri="{386F3935-93C4-4BCD-93E2-E3B085C9AB24}">
+                  <p16:designElem xmlns:p16="http://schemas.microsoft.com/office/powerpoint/2015/main" val="1"/>
+                </p:ext>
+              </p:extLst>
+            </p:nvPr>
+          </p:nvSpPr>
+          <p:spPr bwMode="auto">
+            <a:xfrm>
+              <a:off x="309562" y="5422900"/>
+              <a:ext cx="374650" cy="1425575"/>
+            </a:xfrm>
+            <a:custGeom>
+              <a:avLst/>
+              <a:gdLst/>
+              <a:ahLst/>
+              <a:cxnLst/>
+              <a:rect l="0" t="0" r="r" b="b"/>
+              <a:pathLst>
+                <a:path w="236" h="898">
+                  <a:moveTo>
+                    <a:pt x="18" y="898"/>
+                  </a:moveTo>
+                  <a:lnTo>
+                    <a:pt x="0" y="898"/>
+                  </a:lnTo>
+                  <a:lnTo>
+                    <a:pt x="0" y="515"/>
+                  </a:lnTo>
+                  <a:lnTo>
+                    <a:pt x="3" y="512"/>
+                  </a:lnTo>
+                  <a:lnTo>
+                    <a:pt x="221" y="0"/>
+                  </a:lnTo>
+                  <a:lnTo>
+                    <a:pt x="236" y="6"/>
+                  </a:lnTo>
+                  <a:lnTo>
+                    <a:pt x="18" y="518"/>
+                  </a:lnTo>
+                  <a:lnTo>
+                    <a:pt x="18" y="898"/>
+                  </a:lnTo>
+                  <a:close/>
+                </a:path>
+              </a:pathLst>
+            </a:custGeom>
+            <a:grpFill/>
+            <a:ln>
+              <a:noFill/>
+            </a:ln>
+            <a:extLst>
+              <a:ext uri="{91240B29-F687-4f45-9708-019B960494DF}">
+                <a14:hiddenLine xmlns="" xmlns:a16="http://schemas.microsoft.com/office/drawing/2014/main" xmlns:p14="http://schemas.microsoft.com/office/powerpoint/2010/main" xmlns:a14="http://schemas.microsoft.com/office/drawing/2010/main" w="9525">
+                  <a:solidFill>
+                    <a:srgbClr val="000000"/>
+                  </a:solidFill>
+                  <a:round/>
+                  <a:headEnd/>
+                  <a:tailEnd/>
+                </a14:hiddenLine>
+              </a:ext>
+            </a:extLst>
+          </p:spPr>
+          <p:txBody>
+            <a:bodyPr/>
+            <a:lstStyle/>
+            <a:p>
+              <a:endParaRPr lang="zh-TW" altLang="en-US"/>
+            </a:p>
+          </p:txBody>
+        </p:sp>
+        <p:sp>
+          <p:nvSpPr>
+            <p:cNvPr id="39" name="Freeform 27">
+              <a:extLst>
+                <a:ext uri="{FF2B5EF4-FFF2-40B4-BE49-F238E27FC236}">
+                  <a16:creationId xmlns:a16="http://schemas.microsoft.com/office/drawing/2014/main" id="{CD34643B-9DF2-4310-8868-48252C3393F0}"/>
+                </a:ext>
+                <a:ext uri="{C183D7F6-B498-43B3-948B-1728B52AA6E4}">
+                  <adec:decorative xmlns:adec="http://schemas.microsoft.com/office/drawing/2017/decorative" val="1"/>
+                </a:ext>
+              </a:extLst>
+            </p:cNvPr>
+            <p:cNvSpPr/>
+            <p:nvPr>
+              <p:extLst>
+                <p:ext uri="{386F3935-93C4-4BCD-93E2-E3B085C9AB24}">
+                  <p16:designElem xmlns:p16="http://schemas.microsoft.com/office/powerpoint/2015/main" val="1"/>
+                </p:ext>
+              </p:extLst>
+            </p:nvPr>
+          </p:nvSpPr>
+          <p:spPr bwMode="auto">
+            <a:xfrm>
+              <a:off x="569912" y="5945188"/>
+              <a:ext cx="152400" cy="912813"/>
+            </a:xfrm>
+            <a:custGeom>
+              <a:avLst/>
+              <a:gdLst/>
+              <a:ahLst/>
+              <a:cxnLst/>
+              <a:rect l="0" t="0" r="r" b="b"/>
+              <a:pathLst>
+                <a:path w="96" h="575">
+                  <a:moveTo>
+                    <a:pt x="15" y="575"/>
+                  </a:moveTo>
+                  <a:lnTo>
+                    <a:pt x="0" y="569"/>
+                  </a:lnTo>
+                  <a:lnTo>
+                    <a:pt x="81" y="383"/>
+                  </a:lnTo>
+                  <a:lnTo>
+                    <a:pt x="81" y="0"/>
+                  </a:lnTo>
+                  <a:lnTo>
+                    <a:pt x="96" y="0"/>
+                  </a:lnTo>
+                  <a:lnTo>
+                    <a:pt x="96" y="386"/>
+                  </a:lnTo>
+                  <a:lnTo>
+                    <a:pt x="15" y="575"/>
+                  </a:lnTo>
+                  <a:close/>
+                </a:path>
+              </a:pathLst>
+            </a:custGeom>
+            <a:grpFill/>
+            <a:ln>
+              <a:noFill/>
+            </a:ln>
+            <a:extLst>
+              <a:ext uri="{91240B29-F687-4f45-9708-019B960494DF}">
+                <a14:hiddenLine xmlns="" xmlns:a16="http://schemas.microsoft.com/office/drawing/2014/main" xmlns:p14="http://schemas.microsoft.com/office/powerpoint/2010/main" xmlns:a14="http://schemas.microsoft.com/office/drawing/2010/main" w="9525">
+                  <a:solidFill>
+                    <a:srgbClr val="000000"/>
+                  </a:solidFill>
+                  <a:round/>
+                  <a:headEnd/>
+                  <a:tailEnd/>
+                </a14:hiddenLine>
+              </a:ext>
+            </a:extLst>
+          </p:spPr>
+          <p:txBody>
+            <a:bodyPr/>
+            <a:lstStyle/>
+            <a:p>
+              <a:endParaRPr lang="zh-TW" altLang="en-US"/>
+            </a:p>
+          </p:txBody>
+        </p:sp>
+        <p:sp>
+          <p:nvSpPr>
+            <p:cNvPr id="40" name="Freeform 28">
+              <a:extLst>
+                <a:ext uri="{FF2B5EF4-FFF2-40B4-BE49-F238E27FC236}">
+                  <a16:creationId xmlns:a16="http://schemas.microsoft.com/office/drawing/2014/main" id="{4E020C4E-AF64-44A8-B830-779541D8D549}"/>
+                </a:ext>
+                <a:ext uri="{C183D7F6-B498-43B3-948B-1728B52AA6E4}">
+                  <adec:decorative xmlns:adec="http://schemas.microsoft.com/office/drawing/2017/decorative" val="1"/>
+                </a:ext>
+              </a:extLst>
+            </p:cNvPr>
+            <p:cNvSpPr>
+              <a:spLocks noEditPoints="1"/>
+            </p:cNvSpPr>
+            <p:nvPr>
+              <p:extLst>
+                <p:ext uri="{386F3935-93C4-4BCD-93E2-E3B085C9AB24}">
+                  <p16:designElem xmlns:p16="http://schemas.microsoft.com/office/powerpoint/2015/main" val="1"/>
+                </p:ext>
+              </p:extLst>
+            </p:nvPr>
+          </p:nvSpPr>
+          <p:spPr bwMode="auto">
+            <a:xfrm>
+              <a:off x="612775" y="5246688"/>
+              <a:ext cx="190500" cy="190500"/>
+            </a:xfrm>
+            <a:custGeom>
+              <a:avLst/>
+              <a:gdLst/>
+              <a:ahLst/>
+              <a:cxnLst/>
+              <a:rect l="0" t="0" r="r" b="b"/>
+              <a:pathLst>
+                <a:path w="40" h="40">
+                  <a:moveTo>
+                    <a:pt x="20" y="40"/>
+                  </a:moveTo>
+                  <a:cubicBezTo>
+                    <a:pt x="9" y="40"/>
+                    <a:pt x="0" y="31"/>
+                    <a:pt x="0" y="20"/>
+                  </a:cubicBezTo>
+                  <a:cubicBezTo>
+                    <a:pt x="0" y="9"/>
+                    <a:pt x="9" y="0"/>
+                    <a:pt x="20" y="0"/>
+                  </a:cubicBezTo>
+                  <a:cubicBezTo>
+                    <a:pt x="31" y="0"/>
+                    <a:pt x="40" y="9"/>
+                    <a:pt x="40" y="20"/>
+                  </a:cubicBezTo>
+                  <a:cubicBezTo>
+                    <a:pt x="40" y="31"/>
+                    <a:pt x="31" y="40"/>
+                    <a:pt x="20" y="40"/>
+                  </a:cubicBezTo>
+                  <a:close/>
+                  <a:moveTo>
+                    <a:pt x="20" y="4"/>
+                  </a:moveTo>
+                  <a:cubicBezTo>
+                    <a:pt x="12" y="4"/>
+                    <a:pt x="4" y="11"/>
+                    <a:pt x="4" y="20"/>
+                  </a:cubicBezTo>
+                  <a:cubicBezTo>
+                    <a:pt x="4" y="29"/>
+                    <a:pt x="12" y="36"/>
+                    <a:pt x="20" y="36"/>
+                  </a:cubicBezTo>
+                  <a:cubicBezTo>
+                    <a:pt x="29" y="36"/>
+                    <a:pt x="36" y="29"/>
+                    <a:pt x="36" y="20"/>
+                  </a:cubicBezTo>
+                  <a:cubicBezTo>
+                    <a:pt x="36" y="11"/>
+                    <a:pt x="29" y="4"/>
+                    <a:pt x="20" y="4"/>
+                  </a:cubicBezTo>
+                  <a:close/>
+                </a:path>
+              </a:pathLst>
+            </a:custGeom>
+            <a:grpFill/>
+            <a:ln>
+              <a:noFill/>
+            </a:ln>
+            <a:extLst>
+              <a:ext uri="{91240B29-F687-4f45-9708-019B960494DF}">
+                <a14:hiddenLine xmlns="" xmlns:a16="http://schemas.microsoft.com/office/drawing/2014/main" xmlns:p14="http://schemas.microsoft.com/office/powerpoint/2010/main" xmlns:a14="http://schemas.microsoft.com/office/drawing/2010/main" w="9525">
+                  <a:solidFill>
+                    <a:srgbClr val="000000"/>
+                  </a:solidFill>
+                  <a:round/>
+                  <a:headEnd/>
+                  <a:tailEnd/>
+                </a14:hiddenLine>
+              </a:ext>
+            </a:extLst>
+          </p:spPr>
+          <p:txBody>
+            <a:bodyPr/>
+            <a:lstStyle/>
+            <a:p>
+              <a:endParaRPr lang="zh-TW" altLang="en-US"/>
+            </a:p>
+          </p:txBody>
+        </p:sp>
+        <p:sp>
+          <p:nvSpPr>
+            <p:cNvPr id="41" name="Freeform 29">
+              <a:extLst>
+                <a:ext uri="{FF2B5EF4-FFF2-40B4-BE49-F238E27FC236}">
+                  <a16:creationId xmlns:a16="http://schemas.microsoft.com/office/drawing/2014/main" id="{D97BC3D3-B1B3-4825-9169-BBEF1DBCF055}"/>
+                </a:ext>
+                <a:ext uri="{C183D7F6-B498-43B3-948B-1728B52AA6E4}">
+                  <adec:decorative xmlns:adec="http://schemas.microsoft.com/office/drawing/2017/decorative" val="1"/>
+                </a:ext>
+              </a:extLst>
+            </p:cNvPr>
+            <p:cNvSpPr>
+              <a:spLocks noEditPoints="1"/>
+            </p:cNvSpPr>
+            <p:nvPr>
+              <p:extLst>
+                <p:ext uri="{386F3935-93C4-4BCD-93E2-E3B085C9AB24}">
+                  <p16:designElem xmlns:p16="http://schemas.microsoft.com/office/powerpoint/2015/main" val="1"/>
+                </p:ext>
+              </p:extLst>
+            </p:nvPr>
+          </p:nvSpPr>
+          <p:spPr bwMode="auto">
+            <a:xfrm>
+              <a:off x="612775" y="5764213"/>
+              <a:ext cx="190500" cy="190500"/>
+            </a:xfrm>
+            <a:custGeom>
+              <a:avLst/>
+              <a:gdLst/>
+              <a:ahLst/>
+              <a:cxnLst/>
+              <a:rect l="0" t="0" r="r" b="b"/>
+              <a:pathLst>
+                <a:path w="40" h="40">
+                  <a:moveTo>
+                    <a:pt x="20" y="40"/>
+                  </a:moveTo>
+                  <a:cubicBezTo>
+                    <a:pt x="9" y="40"/>
+                    <a:pt x="0" y="31"/>
+                    <a:pt x="0" y="20"/>
+                  </a:cubicBezTo>
+                  <a:cubicBezTo>
+                    <a:pt x="0" y="9"/>
+                    <a:pt x="9" y="0"/>
+                    <a:pt x="20" y="0"/>
+                  </a:cubicBezTo>
+                  <a:cubicBezTo>
+                    <a:pt x="31" y="0"/>
+                    <a:pt x="40" y="9"/>
+                    <a:pt x="40" y="20"/>
+                  </a:cubicBezTo>
+                  <a:cubicBezTo>
+                    <a:pt x="40" y="31"/>
+                    <a:pt x="31" y="40"/>
+                    <a:pt x="20" y="40"/>
+                  </a:cubicBezTo>
+                  <a:close/>
+                  <a:moveTo>
+                    <a:pt x="20" y="4"/>
+                  </a:moveTo>
+                  <a:cubicBezTo>
+                    <a:pt x="12" y="4"/>
+                    <a:pt x="4" y="11"/>
+                    <a:pt x="4" y="20"/>
+                  </a:cubicBezTo>
+                  <a:cubicBezTo>
+                    <a:pt x="4" y="29"/>
+                    <a:pt x="12" y="36"/>
+                    <a:pt x="20" y="36"/>
+                  </a:cubicBezTo>
+                  <a:cubicBezTo>
+                    <a:pt x="29" y="36"/>
+                    <a:pt x="36" y="29"/>
+                    <a:pt x="36" y="20"/>
+                  </a:cubicBezTo>
+                  <a:cubicBezTo>
+                    <a:pt x="36" y="11"/>
+                    <a:pt x="29" y="4"/>
+                    <a:pt x="20" y="4"/>
+                  </a:cubicBezTo>
+                  <a:close/>
+                </a:path>
+              </a:pathLst>
+            </a:custGeom>
+            <a:grpFill/>
+            <a:ln>
+              <a:noFill/>
+            </a:ln>
+            <a:extLst>
+              <a:ext uri="{91240B29-F687-4f45-9708-019B960494DF}">
+                <a14:hiddenLine xmlns="" xmlns:a16="http://schemas.microsoft.com/office/drawing/2014/main" xmlns:p14="http://schemas.microsoft.com/office/powerpoint/2010/main" xmlns:a14="http://schemas.microsoft.com/office/drawing/2010/main" w="9525">
+                  <a:solidFill>
+                    <a:srgbClr val="000000"/>
+                  </a:solidFill>
+                  <a:round/>
+                  <a:headEnd/>
+                  <a:tailEnd/>
+                </a14:hiddenLine>
+              </a:ext>
+            </a:extLst>
+          </p:spPr>
+          <p:txBody>
+            <a:bodyPr/>
+            <a:lstStyle/>
+            <a:p>
+              <a:endParaRPr lang="zh-TW" altLang="en-US"/>
+            </a:p>
+          </p:txBody>
+        </p:sp>
+        <p:sp>
+          <p:nvSpPr>
+            <p:cNvPr id="42" name="Freeform 30">
+              <a:extLst>
+                <a:ext uri="{FF2B5EF4-FFF2-40B4-BE49-F238E27FC236}">
+                  <a16:creationId xmlns:a16="http://schemas.microsoft.com/office/drawing/2014/main" id="{A750DC4F-1DAF-470E-98C6-6C68DEB93363}"/>
+                </a:ext>
+                <a:ext uri="{C183D7F6-B498-43B3-948B-1728B52AA6E4}">
+                  <adec:decorative xmlns:adec="http://schemas.microsoft.com/office/drawing/2017/decorative" val="1"/>
+                </a:ext>
+              </a:extLst>
+            </p:cNvPr>
+            <p:cNvSpPr/>
+            <p:nvPr>
+              <p:extLst>
+                <p:ext uri="{386F3935-93C4-4BCD-93E2-E3B085C9AB24}">
+                  <p16:designElem xmlns:p16="http://schemas.microsoft.com/office/powerpoint/2015/main" val="1"/>
+                </p:ext>
+              </p:extLst>
+            </p:nvPr>
+          </p:nvSpPr>
+          <p:spPr bwMode="auto">
+            <a:xfrm>
+              <a:off x="669925" y="6330950"/>
+              <a:ext cx="417513" cy="517525"/>
+            </a:xfrm>
+            <a:custGeom>
+              <a:avLst/>
+              <a:gdLst/>
+              <a:ahLst/>
+              <a:cxnLst/>
+              <a:rect l="0" t="0" r="r" b="b"/>
+              <a:pathLst>
+                <a:path w="263" h="326">
+                  <a:moveTo>
+                    <a:pt x="15" y="326"/>
+                  </a:moveTo>
+                  <a:lnTo>
+                    <a:pt x="0" y="320"/>
+                  </a:lnTo>
+                  <a:lnTo>
+                    <a:pt x="45" y="206"/>
+                  </a:lnTo>
+                  <a:lnTo>
+                    <a:pt x="48" y="206"/>
+                  </a:lnTo>
+                  <a:lnTo>
+                    <a:pt x="254" y="0"/>
+                  </a:lnTo>
+                  <a:lnTo>
+                    <a:pt x="263" y="12"/>
+                  </a:lnTo>
+                  <a:lnTo>
+                    <a:pt x="60" y="215"/>
+                  </a:lnTo>
+                  <a:lnTo>
+                    <a:pt x="15" y="326"/>
+                  </a:lnTo>
+                  <a:close/>
+                </a:path>
+              </a:pathLst>
+            </a:custGeom>
+            <a:grpFill/>
+            <a:ln>
+              <a:noFill/>
+            </a:ln>
+            <a:extLst>
+              <a:ext uri="{91240B29-F687-4f45-9708-019B960494DF}">
+                <a14:hiddenLine xmlns="" xmlns:a16="http://schemas.microsoft.com/office/drawing/2014/main" xmlns:p14="http://schemas.microsoft.com/office/powerpoint/2010/main" xmlns:a14="http://schemas.microsoft.com/office/drawing/2010/main" w="9525">
+                  <a:solidFill>
+                    <a:srgbClr val="000000"/>
+                  </a:solidFill>
+                  <a:round/>
+                  <a:headEnd/>
+                  <a:tailEnd/>
+                </a14:hiddenLine>
+              </a:ext>
+            </a:extLst>
+          </p:spPr>
+          <p:txBody>
+            <a:bodyPr/>
+            <a:lstStyle/>
+            <a:p>
+              <a:endParaRPr lang="zh-TW" altLang="en-US"/>
+            </a:p>
+          </p:txBody>
+        </p:sp>
+        <p:sp>
+          <p:nvSpPr>
+            <p:cNvPr id="43" name="Freeform 31">
+              <a:extLst>
+                <a:ext uri="{FF2B5EF4-FFF2-40B4-BE49-F238E27FC236}">
+                  <a16:creationId xmlns:a16="http://schemas.microsoft.com/office/drawing/2014/main" id="{2F99594A-5BBD-4E10-A818-8BE52B7D952C}"/>
+                </a:ext>
+                <a:ext uri="{C183D7F6-B498-43B3-948B-1728B52AA6E4}">
+                  <adec:decorative xmlns:adec="http://schemas.microsoft.com/office/drawing/2017/decorative" val="1"/>
+                </a:ext>
+              </a:extLst>
+            </p:cNvPr>
+            <p:cNvSpPr>
+              <a:spLocks noEditPoints="1"/>
+            </p:cNvSpPr>
+            <p:nvPr>
+              <p:extLst>
+                <p:ext uri="{386F3935-93C4-4BCD-93E2-E3B085C9AB24}">
+                  <p16:designElem xmlns:p16="http://schemas.microsoft.com/office/powerpoint/2015/main" val="1"/>
+                </p:ext>
+              </p:extLst>
+            </p:nvPr>
+          </p:nvSpPr>
+          <p:spPr bwMode="auto">
+            <a:xfrm>
+              <a:off x="1049337" y="6221413"/>
+              <a:ext cx="157163" cy="147638"/>
+            </a:xfrm>
+            <a:custGeom>
+              <a:avLst/>
+              <a:gdLst/>
+              <a:ahLst/>
+              <a:cxnLst/>
+              <a:rect l="0" t="0" r="r" b="b"/>
+              <a:pathLst>
+                <a:path w="33" h="31">
+                  <a:moveTo>
+                    <a:pt x="16" y="31"/>
+                  </a:moveTo>
+                  <a:cubicBezTo>
+                    <a:pt x="12" y="31"/>
+                    <a:pt x="8" y="29"/>
+                    <a:pt x="5" y="26"/>
+                  </a:cubicBezTo>
+                  <a:cubicBezTo>
+                    <a:pt x="2" y="24"/>
+                    <a:pt x="0" y="20"/>
+                    <a:pt x="0" y="15"/>
+                  </a:cubicBezTo>
+                  <a:cubicBezTo>
+                    <a:pt x="0" y="11"/>
+                    <a:pt x="2" y="7"/>
+                    <a:pt x="5" y="4"/>
+                  </a:cubicBezTo>
+                  <a:cubicBezTo>
+                    <a:pt x="8" y="1"/>
+                    <a:pt x="12" y="0"/>
+                    <a:pt x="16" y="0"/>
+                  </a:cubicBezTo>
+                  <a:cubicBezTo>
+                    <a:pt x="20" y="0"/>
+                    <a:pt x="24" y="1"/>
+                    <a:pt x="27" y="4"/>
+                  </a:cubicBezTo>
+                  <a:cubicBezTo>
+                    <a:pt x="33" y="10"/>
+                    <a:pt x="33" y="20"/>
+                    <a:pt x="27" y="26"/>
+                  </a:cubicBezTo>
+                  <a:cubicBezTo>
+                    <a:pt x="24" y="29"/>
+                    <a:pt x="20" y="31"/>
+                    <a:pt x="16" y="31"/>
+                  </a:cubicBezTo>
+                  <a:close/>
+                  <a:moveTo>
+                    <a:pt x="16" y="4"/>
+                  </a:moveTo>
+                  <a:cubicBezTo>
+                    <a:pt x="13" y="4"/>
+                    <a:pt x="10" y="5"/>
+                    <a:pt x="8" y="7"/>
+                  </a:cubicBezTo>
+                  <a:cubicBezTo>
+                    <a:pt x="6" y="9"/>
+                    <a:pt x="4" y="12"/>
+                    <a:pt x="4" y="15"/>
+                  </a:cubicBezTo>
+                  <a:cubicBezTo>
+                    <a:pt x="4" y="19"/>
+                    <a:pt x="6" y="21"/>
+                    <a:pt x="8" y="24"/>
+                  </a:cubicBezTo>
+                  <a:cubicBezTo>
+                    <a:pt x="10" y="26"/>
+                    <a:pt x="13" y="27"/>
+                    <a:pt x="16" y="27"/>
+                  </a:cubicBezTo>
+                  <a:cubicBezTo>
+                    <a:pt x="19" y="27"/>
+                    <a:pt x="22" y="26"/>
+                    <a:pt x="24" y="24"/>
+                  </a:cubicBezTo>
+                  <a:cubicBezTo>
+                    <a:pt x="29" y="19"/>
+                    <a:pt x="29" y="12"/>
+                    <a:pt x="24" y="7"/>
+                  </a:cubicBezTo>
+                  <a:cubicBezTo>
+                    <a:pt x="22" y="5"/>
+                    <a:pt x="19" y="4"/>
+                    <a:pt x="16" y="4"/>
+                  </a:cubicBezTo>
+                  <a:close/>
+                </a:path>
+              </a:pathLst>
+            </a:custGeom>
+            <a:grpFill/>
+            <a:ln>
+              <a:noFill/>
+            </a:ln>
+            <a:extLst>
+              <a:ext uri="{91240B29-F687-4f45-9708-019B960494DF}">
+                <a14:hiddenLine xmlns="" xmlns:a16="http://schemas.microsoft.com/office/drawing/2014/main" xmlns:p14="http://schemas.microsoft.com/office/powerpoint/2010/main" xmlns:a14="http://schemas.microsoft.com/office/drawing/2010/main" w="9525">
+                  <a:solidFill>
+                    <a:srgbClr val="000000"/>
+                  </a:solidFill>
+                  <a:round/>
+                  <a:headEnd/>
+                  <a:tailEnd/>
+                </a14:hiddenLine>
+              </a:ext>
+            </a:extLst>
+          </p:spPr>
+          <p:txBody>
+            <a:bodyPr/>
+            <a:lstStyle/>
+            <a:p>
+              <a:endParaRPr lang="zh-TW" altLang="en-US"/>
+            </a:p>
+          </p:txBody>
+        </p:sp>
+      </p:grpSp>
+      <p:pic>
+        <p:nvPicPr>
+          <p:cNvPr id="10" name="圖片 9" descr="一張含有 文字, 螢幕擷取畫面, Rectangle, 字型 的圖片&#10;&#10;AI 產生的內容可能不正確。">
+            <a:extLst>
+              <a:ext uri="{FF2B5EF4-FFF2-40B4-BE49-F238E27FC236}">
+                <a16:creationId xmlns:a16="http://schemas.microsoft.com/office/drawing/2014/main" id="{1D4D329A-31DB-8CF3-9107-1790D688E859}"/>
+              </a:ext>
+            </a:extLst>
+          </p:cNvPr>
+          <p:cNvPicPr>
+            <a:picLocks noChangeAspect="1"/>
+          </p:cNvPicPr>
+          <p:nvPr/>
+        </p:nvPicPr>
+        <p:blipFill>
+          <a:blip r:embed="rId5"/>
+          <a:stretch>
+            <a:fillRect/>
+          </a:stretch>
+        </p:blipFill>
+        <p:spPr>
+          <a:xfrm>
+            <a:off x="1839191" y="3171127"/>
+            <a:ext cx="3276600" cy="2781300"/>
+          </a:xfrm>
+          <a:prstGeom prst="rect">
+            <a:avLst/>
+          </a:prstGeom>
+        </p:spPr>
+      </p:pic>
+    </p:spTree>
+    <p:extLst>
+      <p:ext uri="{BB962C8B-B14F-4D97-AF65-F5344CB8AC3E}">
+        <p14:creationId xmlns:p14="http://schemas.microsoft.com/office/powerpoint/2010/main" val="556504463"/>
       </p:ext>
     </p:extLst>
   </p:cSld>
